--- a/figures/AuthenticatorPattern4.pptx
+++ b/figures/AuthenticatorPattern4.pptx
@@ -104,6 +104,22 @@
       </a:defRPr>
     </a:lvl9pPr>
   </p:defaultTextStyle>
+  <p:extLst>
+    <p:ext uri="{EFAFB233-063F-42B5-8137-9DF3F51BA10A}">
+      <p15:sldGuideLst xmlns:p15="http://schemas.microsoft.com/office/powerpoint/2012/main">
+        <p15:guide id="1" orient="horz" pos="2160">
+          <p15:clr>
+            <a:srgbClr val="A4A3A4"/>
+          </p15:clr>
+        </p15:guide>
+        <p15:guide id="2" pos="2880">
+          <p15:clr>
+            <a:srgbClr val="A4A3A4"/>
+          </p15:clr>
+        </p15:guide>
+      </p15:sldGuideLst>
+    </p:ext>
+  </p:extLst>
 </p:presentation>
 </file>
 
@@ -145,7 +161,7 @@
           <a:lstStyle/>
           <a:p>
             <a:r>
-              <a:rPr lang="fr-FR" smtClean="0"/>
+              <a:rPr lang="fr-FR"/>
               <a:t>Cliquez et modifiez le titre</a:t>
             </a:r>
             <a:endParaRPr lang="en-US"/>
@@ -264,7 +280,7 @@
           </a:lstStyle>
           <a:p>
             <a:r>
-              <a:rPr lang="fr-FR" smtClean="0"/>
+              <a:rPr lang="fr-FR"/>
               <a:t>Cliquez pour modifier le style des sous-titres du masque</a:t>
             </a:r>
             <a:endParaRPr lang="en-US"/>
@@ -288,7 +304,7 @@
           <a:p>
             <a:fld id="{DDBDEB49-C2FA-094D-969F-A0A8DB8F76F3}" type="datetimeFigureOut">
               <a:rPr lang="fr-FR" smtClean="0"/>
-              <a:t>30/04/20</a:t>
+              <a:t>14/03/2023</a:t>
             </a:fld>
             <a:endParaRPr lang="en-US"/>
           </a:p>
@@ -330,7 +346,7 @@
           <a:p>
             <a:fld id="{A0322591-A190-9F48-8C33-C5C5AACB9E7F}" type="slidenum">
               <a:rPr lang="en-US" smtClean="0"/>
-              <a:t>‹#›</a:t>
+              <a:t>‹N°›</a:t>
             </a:fld>
             <a:endParaRPr lang="en-US"/>
           </a:p>
@@ -382,7 +398,7 @@
           <a:lstStyle/>
           <a:p>
             <a:r>
-              <a:rPr lang="fr-FR" smtClean="0"/>
+              <a:rPr lang="fr-FR"/>
               <a:t>Cliquez et modifiez le titre</a:t>
             </a:r>
             <a:endParaRPr lang="en-US"/>
@@ -406,35 +422,35 @@
           <a:p>
             <a:pPr lvl="0"/>
             <a:r>
-              <a:rPr lang="fr-FR" smtClean="0"/>
+              <a:rPr lang="fr-FR"/>
               <a:t>Cliquez pour modifier les styles du texte du masque</a:t>
             </a:r>
           </a:p>
           <a:p>
             <a:pPr lvl="1"/>
             <a:r>
-              <a:rPr lang="fr-FR" smtClean="0"/>
+              <a:rPr lang="fr-FR"/>
               <a:t>Deuxième niveau</a:t>
             </a:r>
           </a:p>
           <a:p>
             <a:pPr lvl="2"/>
             <a:r>
-              <a:rPr lang="fr-FR" smtClean="0"/>
+              <a:rPr lang="fr-FR"/>
               <a:t>Troisième niveau</a:t>
             </a:r>
           </a:p>
           <a:p>
             <a:pPr lvl="3"/>
             <a:r>
-              <a:rPr lang="fr-FR" smtClean="0"/>
+              <a:rPr lang="fr-FR"/>
               <a:t>Quatrième niveau</a:t>
             </a:r>
           </a:p>
           <a:p>
             <a:pPr lvl="4"/>
             <a:r>
-              <a:rPr lang="fr-FR" smtClean="0"/>
+              <a:rPr lang="fr-FR"/>
               <a:t>Cinquième niveau</a:t>
             </a:r>
             <a:endParaRPr lang="en-US"/>
@@ -458,7 +474,7 @@
           <a:p>
             <a:fld id="{DDBDEB49-C2FA-094D-969F-A0A8DB8F76F3}" type="datetimeFigureOut">
               <a:rPr lang="fr-FR" smtClean="0"/>
-              <a:t>30/04/20</a:t>
+              <a:t>14/03/2023</a:t>
             </a:fld>
             <a:endParaRPr lang="en-US"/>
           </a:p>
@@ -500,7 +516,7 @@
           <a:p>
             <a:fld id="{A0322591-A190-9F48-8C33-C5C5AACB9E7F}" type="slidenum">
               <a:rPr lang="en-US" smtClean="0"/>
-              <a:t>‹#›</a:t>
+              <a:t>‹N°›</a:t>
             </a:fld>
             <a:endParaRPr lang="en-US"/>
           </a:p>
@@ -557,7 +573,7 @@
           <a:lstStyle/>
           <a:p>
             <a:r>
-              <a:rPr lang="fr-FR" smtClean="0"/>
+              <a:rPr lang="fr-FR"/>
               <a:t>Cliquez et modifiez le titre</a:t>
             </a:r>
             <a:endParaRPr lang="en-US"/>
@@ -586,35 +602,35 @@
           <a:p>
             <a:pPr lvl="0"/>
             <a:r>
-              <a:rPr lang="fr-FR" smtClean="0"/>
+              <a:rPr lang="fr-FR"/>
               <a:t>Cliquez pour modifier les styles du texte du masque</a:t>
             </a:r>
           </a:p>
           <a:p>
             <a:pPr lvl="1"/>
             <a:r>
-              <a:rPr lang="fr-FR" smtClean="0"/>
+              <a:rPr lang="fr-FR"/>
               <a:t>Deuxième niveau</a:t>
             </a:r>
           </a:p>
           <a:p>
             <a:pPr lvl="2"/>
             <a:r>
-              <a:rPr lang="fr-FR" smtClean="0"/>
+              <a:rPr lang="fr-FR"/>
               <a:t>Troisième niveau</a:t>
             </a:r>
           </a:p>
           <a:p>
             <a:pPr lvl="3"/>
             <a:r>
-              <a:rPr lang="fr-FR" smtClean="0"/>
+              <a:rPr lang="fr-FR"/>
               <a:t>Quatrième niveau</a:t>
             </a:r>
           </a:p>
           <a:p>
             <a:pPr lvl="4"/>
             <a:r>
-              <a:rPr lang="fr-FR" smtClean="0"/>
+              <a:rPr lang="fr-FR"/>
               <a:t>Cinquième niveau</a:t>
             </a:r>
             <a:endParaRPr lang="en-US"/>
@@ -638,7 +654,7 @@
           <a:p>
             <a:fld id="{DDBDEB49-C2FA-094D-969F-A0A8DB8F76F3}" type="datetimeFigureOut">
               <a:rPr lang="fr-FR" smtClean="0"/>
-              <a:t>30/04/20</a:t>
+              <a:t>14/03/2023</a:t>
             </a:fld>
             <a:endParaRPr lang="en-US"/>
           </a:p>
@@ -680,7 +696,7 @@
           <a:p>
             <a:fld id="{A0322591-A190-9F48-8C33-C5C5AACB9E7F}" type="slidenum">
               <a:rPr lang="en-US" smtClean="0"/>
-              <a:t>‹#›</a:t>
+              <a:t>‹N°›</a:t>
             </a:fld>
             <a:endParaRPr lang="en-US"/>
           </a:p>
@@ -732,7 +748,7 @@
           <a:lstStyle/>
           <a:p>
             <a:r>
-              <a:rPr lang="fr-FR" smtClean="0"/>
+              <a:rPr lang="fr-FR"/>
               <a:t>Cliquez et modifiez le titre</a:t>
             </a:r>
             <a:endParaRPr lang="en-US"/>
@@ -756,35 +772,35 @@
           <a:p>
             <a:pPr lvl="0"/>
             <a:r>
-              <a:rPr lang="fr-FR" smtClean="0"/>
+              <a:rPr lang="fr-FR"/>
               <a:t>Cliquez pour modifier les styles du texte du masque</a:t>
             </a:r>
           </a:p>
           <a:p>
             <a:pPr lvl="1"/>
             <a:r>
-              <a:rPr lang="fr-FR" smtClean="0"/>
+              <a:rPr lang="fr-FR"/>
               <a:t>Deuxième niveau</a:t>
             </a:r>
           </a:p>
           <a:p>
             <a:pPr lvl="2"/>
             <a:r>
-              <a:rPr lang="fr-FR" smtClean="0"/>
+              <a:rPr lang="fr-FR"/>
               <a:t>Troisième niveau</a:t>
             </a:r>
           </a:p>
           <a:p>
             <a:pPr lvl="3"/>
             <a:r>
-              <a:rPr lang="fr-FR" smtClean="0"/>
+              <a:rPr lang="fr-FR"/>
               <a:t>Quatrième niveau</a:t>
             </a:r>
           </a:p>
           <a:p>
             <a:pPr lvl="4"/>
             <a:r>
-              <a:rPr lang="fr-FR" smtClean="0"/>
+              <a:rPr lang="fr-FR"/>
               <a:t>Cinquième niveau</a:t>
             </a:r>
             <a:endParaRPr lang="en-US"/>
@@ -808,7 +824,7 @@
           <a:p>
             <a:fld id="{DDBDEB49-C2FA-094D-969F-A0A8DB8F76F3}" type="datetimeFigureOut">
               <a:rPr lang="fr-FR" smtClean="0"/>
-              <a:t>30/04/20</a:t>
+              <a:t>14/03/2023</a:t>
             </a:fld>
             <a:endParaRPr lang="en-US"/>
           </a:p>
@@ -850,7 +866,7 @@
           <a:p>
             <a:fld id="{A0322591-A190-9F48-8C33-C5C5AACB9E7F}" type="slidenum">
               <a:rPr lang="en-US" smtClean="0"/>
-              <a:t>‹#›</a:t>
+              <a:t>‹N°›</a:t>
             </a:fld>
             <a:endParaRPr lang="en-US"/>
           </a:p>
@@ -911,7 +927,7 @@
           </a:lstStyle>
           <a:p>
             <a:r>
-              <a:rPr lang="fr-FR" smtClean="0"/>
+              <a:rPr lang="fr-FR"/>
               <a:t>Cliquez et modifiez le titre</a:t>
             </a:r>
             <a:endParaRPr lang="en-US"/>
@@ -1031,7 +1047,7 @@
           <a:p>
             <a:pPr lvl="0"/>
             <a:r>
-              <a:rPr lang="fr-FR" smtClean="0"/>
+              <a:rPr lang="fr-FR"/>
               <a:t>Cliquez pour modifier les styles du texte du masque</a:t>
             </a:r>
           </a:p>
@@ -1054,7 +1070,7 @@
           <a:p>
             <a:fld id="{DDBDEB49-C2FA-094D-969F-A0A8DB8F76F3}" type="datetimeFigureOut">
               <a:rPr lang="fr-FR" smtClean="0"/>
-              <a:t>30/04/20</a:t>
+              <a:t>14/03/2023</a:t>
             </a:fld>
             <a:endParaRPr lang="en-US"/>
           </a:p>
@@ -1096,7 +1112,7 @@
           <a:p>
             <a:fld id="{A0322591-A190-9F48-8C33-C5C5AACB9E7F}" type="slidenum">
               <a:rPr lang="en-US" smtClean="0"/>
-              <a:t>‹#›</a:t>
+              <a:t>‹N°›</a:t>
             </a:fld>
             <a:endParaRPr lang="en-US"/>
           </a:p>
@@ -1148,7 +1164,7 @@
           <a:lstStyle/>
           <a:p>
             <a:r>
-              <a:rPr lang="fr-FR" smtClean="0"/>
+              <a:rPr lang="fr-FR"/>
               <a:t>Cliquez et modifiez le titre</a:t>
             </a:r>
             <a:endParaRPr lang="en-US"/>
@@ -1205,35 +1221,35 @@
           <a:p>
             <a:pPr lvl="0"/>
             <a:r>
-              <a:rPr lang="fr-FR" smtClean="0"/>
+              <a:rPr lang="fr-FR"/>
               <a:t>Cliquez pour modifier les styles du texte du masque</a:t>
             </a:r>
           </a:p>
           <a:p>
             <a:pPr lvl="1"/>
             <a:r>
-              <a:rPr lang="fr-FR" smtClean="0"/>
+              <a:rPr lang="fr-FR"/>
               <a:t>Deuxième niveau</a:t>
             </a:r>
           </a:p>
           <a:p>
             <a:pPr lvl="2"/>
             <a:r>
-              <a:rPr lang="fr-FR" smtClean="0"/>
+              <a:rPr lang="fr-FR"/>
               <a:t>Troisième niveau</a:t>
             </a:r>
           </a:p>
           <a:p>
             <a:pPr lvl="3"/>
             <a:r>
-              <a:rPr lang="fr-FR" smtClean="0"/>
+              <a:rPr lang="fr-FR"/>
               <a:t>Quatrième niveau</a:t>
             </a:r>
           </a:p>
           <a:p>
             <a:pPr lvl="4"/>
             <a:r>
-              <a:rPr lang="fr-FR" smtClean="0"/>
+              <a:rPr lang="fr-FR"/>
               <a:t>Cinquième niveau</a:t>
             </a:r>
             <a:endParaRPr lang="en-US"/>
@@ -1290,35 +1306,35 @@
           <a:p>
             <a:pPr lvl="0"/>
             <a:r>
-              <a:rPr lang="fr-FR" smtClean="0"/>
+              <a:rPr lang="fr-FR"/>
               <a:t>Cliquez pour modifier les styles du texte du masque</a:t>
             </a:r>
           </a:p>
           <a:p>
             <a:pPr lvl="1"/>
             <a:r>
-              <a:rPr lang="fr-FR" smtClean="0"/>
+              <a:rPr lang="fr-FR"/>
               <a:t>Deuxième niveau</a:t>
             </a:r>
           </a:p>
           <a:p>
             <a:pPr lvl="2"/>
             <a:r>
-              <a:rPr lang="fr-FR" smtClean="0"/>
+              <a:rPr lang="fr-FR"/>
               <a:t>Troisième niveau</a:t>
             </a:r>
           </a:p>
           <a:p>
             <a:pPr lvl="3"/>
             <a:r>
-              <a:rPr lang="fr-FR" smtClean="0"/>
+              <a:rPr lang="fr-FR"/>
               <a:t>Quatrième niveau</a:t>
             </a:r>
           </a:p>
           <a:p>
             <a:pPr lvl="4"/>
             <a:r>
-              <a:rPr lang="fr-FR" smtClean="0"/>
+              <a:rPr lang="fr-FR"/>
               <a:t>Cinquième niveau</a:t>
             </a:r>
             <a:endParaRPr lang="en-US"/>
@@ -1342,7 +1358,7 @@
           <a:p>
             <a:fld id="{DDBDEB49-C2FA-094D-969F-A0A8DB8F76F3}" type="datetimeFigureOut">
               <a:rPr lang="fr-FR" smtClean="0"/>
-              <a:t>30/04/20</a:t>
+              <a:t>14/03/2023</a:t>
             </a:fld>
             <a:endParaRPr lang="en-US"/>
           </a:p>
@@ -1384,7 +1400,7 @@
           <a:p>
             <a:fld id="{A0322591-A190-9F48-8C33-C5C5AACB9E7F}" type="slidenum">
               <a:rPr lang="en-US" smtClean="0"/>
-              <a:t>‹#›</a:t>
+              <a:t>‹N°›</a:t>
             </a:fld>
             <a:endParaRPr lang="en-US"/>
           </a:p>
@@ -1440,7 +1456,7 @@
           </a:lstStyle>
           <a:p>
             <a:r>
-              <a:rPr lang="fr-FR" smtClean="0"/>
+              <a:rPr lang="fr-FR"/>
               <a:t>Cliquez et modifiez le titre</a:t>
             </a:r>
             <a:endParaRPr lang="en-US"/>
@@ -1506,7 +1522,7 @@
           <a:p>
             <a:pPr lvl="0"/>
             <a:r>
-              <a:rPr lang="fr-FR" smtClean="0"/>
+              <a:rPr lang="fr-FR"/>
               <a:t>Cliquez pour modifier les styles du texte du masque</a:t>
             </a:r>
           </a:p>
@@ -1562,35 +1578,35 @@
           <a:p>
             <a:pPr lvl="0"/>
             <a:r>
-              <a:rPr lang="fr-FR" smtClean="0"/>
+              <a:rPr lang="fr-FR"/>
               <a:t>Cliquez pour modifier les styles du texte du masque</a:t>
             </a:r>
           </a:p>
           <a:p>
             <a:pPr lvl="1"/>
             <a:r>
-              <a:rPr lang="fr-FR" smtClean="0"/>
+              <a:rPr lang="fr-FR"/>
               <a:t>Deuxième niveau</a:t>
             </a:r>
           </a:p>
           <a:p>
             <a:pPr lvl="2"/>
             <a:r>
-              <a:rPr lang="fr-FR" smtClean="0"/>
+              <a:rPr lang="fr-FR"/>
               <a:t>Troisième niveau</a:t>
             </a:r>
           </a:p>
           <a:p>
             <a:pPr lvl="3"/>
             <a:r>
-              <a:rPr lang="fr-FR" smtClean="0"/>
+              <a:rPr lang="fr-FR"/>
               <a:t>Quatrième niveau</a:t>
             </a:r>
           </a:p>
           <a:p>
             <a:pPr lvl="4"/>
             <a:r>
-              <a:rPr lang="fr-FR" smtClean="0"/>
+              <a:rPr lang="fr-FR"/>
               <a:t>Cinquième niveau</a:t>
             </a:r>
             <a:endParaRPr lang="en-US"/>
@@ -1656,7 +1672,7 @@
           <a:p>
             <a:pPr lvl="0"/>
             <a:r>
-              <a:rPr lang="fr-FR" smtClean="0"/>
+              <a:rPr lang="fr-FR"/>
               <a:t>Cliquez pour modifier les styles du texte du masque</a:t>
             </a:r>
           </a:p>
@@ -1712,35 +1728,35 @@
           <a:p>
             <a:pPr lvl="0"/>
             <a:r>
-              <a:rPr lang="fr-FR" smtClean="0"/>
+              <a:rPr lang="fr-FR"/>
               <a:t>Cliquez pour modifier les styles du texte du masque</a:t>
             </a:r>
           </a:p>
           <a:p>
             <a:pPr lvl="1"/>
             <a:r>
-              <a:rPr lang="fr-FR" smtClean="0"/>
+              <a:rPr lang="fr-FR"/>
               <a:t>Deuxième niveau</a:t>
             </a:r>
           </a:p>
           <a:p>
             <a:pPr lvl="2"/>
             <a:r>
-              <a:rPr lang="fr-FR" smtClean="0"/>
+              <a:rPr lang="fr-FR"/>
               <a:t>Troisième niveau</a:t>
             </a:r>
           </a:p>
           <a:p>
             <a:pPr lvl="3"/>
             <a:r>
-              <a:rPr lang="fr-FR" smtClean="0"/>
+              <a:rPr lang="fr-FR"/>
               <a:t>Quatrième niveau</a:t>
             </a:r>
           </a:p>
           <a:p>
             <a:pPr lvl="4"/>
             <a:r>
-              <a:rPr lang="fr-FR" smtClean="0"/>
+              <a:rPr lang="fr-FR"/>
               <a:t>Cinquième niveau</a:t>
             </a:r>
             <a:endParaRPr lang="en-US"/>
@@ -1764,7 +1780,7 @@
           <a:p>
             <a:fld id="{DDBDEB49-C2FA-094D-969F-A0A8DB8F76F3}" type="datetimeFigureOut">
               <a:rPr lang="fr-FR" smtClean="0"/>
-              <a:t>30/04/20</a:t>
+              <a:t>14/03/2023</a:t>
             </a:fld>
             <a:endParaRPr lang="en-US"/>
           </a:p>
@@ -1806,7 +1822,7 @@
           <a:p>
             <a:fld id="{A0322591-A190-9F48-8C33-C5C5AACB9E7F}" type="slidenum">
               <a:rPr lang="en-US" smtClean="0"/>
-              <a:t>‹#›</a:t>
+              <a:t>‹N°›</a:t>
             </a:fld>
             <a:endParaRPr lang="en-US"/>
           </a:p>
@@ -1858,7 +1874,7 @@
           <a:lstStyle/>
           <a:p>
             <a:r>
-              <a:rPr lang="fr-FR" smtClean="0"/>
+              <a:rPr lang="fr-FR"/>
               <a:t>Cliquez et modifiez le titre</a:t>
             </a:r>
             <a:endParaRPr lang="en-US"/>
@@ -1882,7 +1898,7 @@
           <a:p>
             <a:fld id="{DDBDEB49-C2FA-094D-969F-A0A8DB8F76F3}" type="datetimeFigureOut">
               <a:rPr lang="fr-FR" smtClean="0"/>
-              <a:t>30/04/20</a:t>
+              <a:t>14/03/2023</a:t>
             </a:fld>
             <a:endParaRPr lang="en-US"/>
           </a:p>
@@ -1924,7 +1940,7 @@
           <a:p>
             <a:fld id="{A0322591-A190-9F48-8C33-C5C5AACB9E7F}" type="slidenum">
               <a:rPr lang="en-US" smtClean="0"/>
-              <a:t>‹#›</a:t>
+              <a:t>‹N°›</a:t>
             </a:fld>
             <a:endParaRPr lang="en-US"/>
           </a:p>
@@ -1977,7 +1993,7 @@
           <a:p>
             <a:fld id="{DDBDEB49-C2FA-094D-969F-A0A8DB8F76F3}" type="datetimeFigureOut">
               <a:rPr lang="fr-FR" smtClean="0"/>
-              <a:t>30/04/20</a:t>
+              <a:t>14/03/2023</a:t>
             </a:fld>
             <a:endParaRPr lang="en-US"/>
           </a:p>
@@ -2019,7 +2035,7 @@
           <a:p>
             <a:fld id="{A0322591-A190-9F48-8C33-C5C5AACB9E7F}" type="slidenum">
               <a:rPr lang="en-US" smtClean="0"/>
-              <a:t>‹#›</a:t>
+              <a:t>‹N°›</a:t>
             </a:fld>
             <a:endParaRPr lang="en-US"/>
           </a:p>
@@ -2080,7 +2096,7 @@
           </a:lstStyle>
           <a:p>
             <a:r>
-              <a:rPr lang="fr-FR" smtClean="0"/>
+              <a:rPr lang="fr-FR"/>
               <a:t>Cliquez et modifiez le titre</a:t>
             </a:r>
             <a:endParaRPr lang="en-US"/>
@@ -2137,35 +2153,35 @@
           <a:p>
             <a:pPr lvl="0"/>
             <a:r>
-              <a:rPr lang="fr-FR" smtClean="0"/>
+              <a:rPr lang="fr-FR"/>
               <a:t>Cliquez pour modifier les styles du texte du masque</a:t>
             </a:r>
           </a:p>
           <a:p>
             <a:pPr lvl="1"/>
             <a:r>
-              <a:rPr lang="fr-FR" smtClean="0"/>
+              <a:rPr lang="fr-FR"/>
               <a:t>Deuxième niveau</a:t>
             </a:r>
           </a:p>
           <a:p>
             <a:pPr lvl="2"/>
             <a:r>
-              <a:rPr lang="fr-FR" smtClean="0"/>
+              <a:rPr lang="fr-FR"/>
               <a:t>Troisième niveau</a:t>
             </a:r>
           </a:p>
           <a:p>
             <a:pPr lvl="3"/>
             <a:r>
-              <a:rPr lang="fr-FR" smtClean="0"/>
+              <a:rPr lang="fr-FR"/>
               <a:t>Quatrième niveau</a:t>
             </a:r>
           </a:p>
           <a:p>
             <a:pPr lvl="4"/>
             <a:r>
-              <a:rPr lang="fr-FR" smtClean="0"/>
+              <a:rPr lang="fr-FR"/>
               <a:t>Cinquième niveau</a:t>
             </a:r>
             <a:endParaRPr lang="en-US"/>
@@ -2231,7 +2247,7 @@
           <a:p>
             <a:pPr lvl="0"/>
             <a:r>
-              <a:rPr lang="fr-FR" smtClean="0"/>
+              <a:rPr lang="fr-FR"/>
               <a:t>Cliquez pour modifier les styles du texte du masque</a:t>
             </a:r>
           </a:p>
@@ -2254,7 +2270,7 @@
           <a:p>
             <a:fld id="{DDBDEB49-C2FA-094D-969F-A0A8DB8F76F3}" type="datetimeFigureOut">
               <a:rPr lang="fr-FR" smtClean="0"/>
-              <a:t>30/04/20</a:t>
+              <a:t>14/03/2023</a:t>
             </a:fld>
             <a:endParaRPr lang="en-US"/>
           </a:p>
@@ -2296,7 +2312,7 @@
           <a:p>
             <a:fld id="{A0322591-A190-9F48-8C33-C5C5AACB9E7F}" type="slidenum">
               <a:rPr lang="en-US" smtClean="0"/>
-              <a:t>‹#›</a:t>
+              <a:t>‹N°›</a:t>
             </a:fld>
             <a:endParaRPr lang="en-US"/>
           </a:p>
@@ -2357,7 +2373,7 @@
           </a:lstStyle>
           <a:p>
             <a:r>
-              <a:rPr lang="fr-FR" smtClean="0"/>
+              <a:rPr lang="fr-FR"/>
               <a:t>Cliquez et modifiez le titre</a:t>
             </a:r>
             <a:endParaRPr lang="en-US"/>
@@ -2484,7 +2500,7 @@
           <a:p>
             <a:pPr lvl="0"/>
             <a:r>
-              <a:rPr lang="fr-FR" smtClean="0"/>
+              <a:rPr lang="fr-FR"/>
               <a:t>Cliquez pour modifier les styles du texte du masque</a:t>
             </a:r>
           </a:p>
@@ -2507,7 +2523,7 @@
           <a:p>
             <a:fld id="{DDBDEB49-C2FA-094D-969F-A0A8DB8F76F3}" type="datetimeFigureOut">
               <a:rPr lang="fr-FR" smtClean="0"/>
-              <a:t>30/04/20</a:t>
+              <a:t>14/03/2023</a:t>
             </a:fld>
             <a:endParaRPr lang="en-US"/>
           </a:p>
@@ -2549,7 +2565,7 @@
           <a:p>
             <a:fld id="{A0322591-A190-9F48-8C33-C5C5AACB9E7F}" type="slidenum">
               <a:rPr lang="en-US" smtClean="0"/>
-              <a:t>‹#›</a:t>
+              <a:t>‹N°›</a:t>
             </a:fld>
             <a:endParaRPr lang="en-US"/>
           </a:p>
@@ -2616,7 +2632,7 @@
           <a:lstStyle/>
           <a:p>
             <a:r>
-              <a:rPr lang="fr-FR" smtClean="0"/>
+              <a:rPr lang="fr-FR"/>
               <a:t>Cliquez et modifiez le titre</a:t>
             </a:r>
             <a:endParaRPr lang="en-US"/>
@@ -2650,35 +2666,35 @@
           <a:p>
             <a:pPr lvl="0"/>
             <a:r>
-              <a:rPr lang="fr-FR" smtClean="0"/>
+              <a:rPr lang="fr-FR"/>
               <a:t>Cliquez pour modifier les styles du texte du masque</a:t>
             </a:r>
           </a:p>
           <a:p>
             <a:pPr lvl="1"/>
             <a:r>
-              <a:rPr lang="fr-FR" smtClean="0"/>
+              <a:rPr lang="fr-FR"/>
               <a:t>Deuxième niveau</a:t>
             </a:r>
           </a:p>
           <a:p>
             <a:pPr lvl="2"/>
             <a:r>
-              <a:rPr lang="fr-FR" smtClean="0"/>
+              <a:rPr lang="fr-FR"/>
               <a:t>Troisième niveau</a:t>
             </a:r>
           </a:p>
           <a:p>
             <a:pPr lvl="3"/>
             <a:r>
-              <a:rPr lang="fr-FR" smtClean="0"/>
+              <a:rPr lang="fr-FR"/>
               <a:t>Quatrième niveau</a:t>
             </a:r>
           </a:p>
           <a:p>
             <a:pPr lvl="4"/>
             <a:r>
-              <a:rPr lang="fr-FR" smtClean="0"/>
+              <a:rPr lang="fr-FR"/>
               <a:t>Cinquième niveau</a:t>
             </a:r>
             <a:endParaRPr lang="en-US"/>
@@ -2720,7 +2736,7 @@
           <a:p>
             <a:fld id="{DDBDEB49-C2FA-094D-969F-A0A8DB8F76F3}" type="datetimeFigureOut">
               <a:rPr lang="fr-FR" smtClean="0"/>
-              <a:t>30/04/20</a:t>
+              <a:t>14/03/2023</a:t>
             </a:fld>
             <a:endParaRPr lang="en-US"/>
           </a:p>
@@ -2798,7 +2814,7 @@
           <a:p>
             <a:fld id="{A0322591-A190-9F48-8C33-C5C5AACB9E7F}" type="slidenum">
               <a:rPr lang="en-US" smtClean="0"/>
-              <a:t>‹#›</a:t>
+              <a:t>‹N°›</a:t>
             </a:fld>
             <a:endParaRPr lang="en-US"/>
           </a:p>
@@ -3103,7 +3119,7 @@
         </p:nvSpPr>
         <p:spPr>
           <a:xfrm>
-            <a:off x="5257801" y="131196"/>
+            <a:off x="5489021" y="131196"/>
             <a:ext cx="3505198" cy="1994931"/>
           </a:xfrm>
           <a:prstGeom prst="snip2DiagRect">
@@ -3156,16 +3172,12 @@
           <a:lstStyle/>
           <a:p>
             <a:r>
-              <a:rPr lang="en-US" sz="1200" dirty="0" smtClean="0">
+              <a:rPr lang="en-US" sz="1200" dirty="0">
                 <a:latin typeface="Arial"/>
                 <a:cs typeface="Arial"/>
               </a:rPr>
               <a:t>manager</a:t>
             </a:r>
-            <a:endParaRPr lang="en-US" sz="1200" dirty="0">
-              <a:latin typeface="Arial"/>
-              <a:cs typeface="Arial"/>
-            </a:endParaRPr>
           </a:p>
         </p:txBody>
       </p:sp>
@@ -3192,16 +3204,12 @@
           <a:lstStyle/>
           <a:p>
             <a:r>
-              <a:rPr lang="en-US" sz="1200" dirty="0" smtClean="0">
+              <a:rPr lang="en-US" sz="1200" dirty="0">
                 <a:latin typeface="Arial"/>
                 <a:cs typeface="Arial"/>
               </a:rPr>
               <a:t>0..1</a:t>
             </a:r>
-            <a:endParaRPr lang="en-US" sz="1200" dirty="0">
-              <a:latin typeface="Arial"/>
-              <a:cs typeface="Arial"/>
-            </a:endParaRPr>
           </a:p>
         </p:txBody>
       </p:sp>
@@ -3213,8 +3221,8 @@
         </p:nvSpPr>
         <p:spPr>
           <a:xfrm>
-            <a:off x="5366427" y="892009"/>
-            <a:ext cx="3269571" cy="1731888"/>
+            <a:off x="5597648" y="776395"/>
+            <a:ext cx="3269570" cy="1950761"/>
           </a:xfrm>
           <a:prstGeom prst="foldedCorner">
             <a:avLst/>
@@ -3236,673 +3244,573 @@
         </p:style>
         <p:txBody>
           <a:bodyPr rtlCol="0" anchor="ctr">
-            <a:normAutofit lnSpcReduction="10000"/>
+            <a:noAutofit/>
           </a:bodyPr>
           <a:lstStyle/>
           <a:p>
-            <a:r>
-              <a:rPr lang="fr-FR" sz="1000" b="1" dirty="0" smtClean="0">
-                <a:latin typeface="Arial"/>
-                <a:cs typeface="Arial"/>
-              </a:rPr>
-              <a:t>P1</a:t>
-            </a:r>
-            <a:r>
-              <a:rPr lang="fr-FR" sz="1000" dirty="0" smtClean="0">
-                <a:latin typeface="Arial"/>
-                <a:cs typeface="Arial"/>
-              </a:rPr>
-              <a:t>: </a:t>
-            </a:r>
-            <a:r>
-              <a:rPr lang="mr-IN" sz="1000" dirty="0" smtClean="0">
-                <a:latin typeface="Arial"/>
-                <a:cs typeface="Arial"/>
-              </a:rPr>
-              <a:t>∀</a:t>
-            </a:r>
-            <a:r>
-              <a:rPr lang="mr-IN" sz="1000" dirty="0">
-                <a:latin typeface="Arial"/>
-                <a:cs typeface="Arial"/>
-              </a:rPr>
-              <a:t>𝑎,</a:t>
-            </a:r>
-            <a:r>
-              <a:rPr lang="mr-IN" sz="1000" dirty="0" smtClean="0">
-                <a:latin typeface="Arial"/>
-                <a:cs typeface="Arial"/>
-              </a:rPr>
-              <a:t>𝑏</a:t>
-            </a:r>
-            <a:r>
-              <a:rPr lang="fr-FR" sz="1000" dirty="0" smtClean="0">
-                <a:latin typeface="Arial"/>
-                <a:cs typeface="Arial"/>
-              </a:rPr>
-              <a:t> </a:t>
-            </a:r>
-            <a:r>
-              <a:rPr lang="mr-IN" sz="1000" dirty="0" smtClean="0">
-                <a:latin typeface="Arial"/>
-                <a:cs typeface="Arial"/>
-              </a:rPr>
-              <a:t>∈</a:t>
-            </a:r>
-            <a:r>
-              <a:rPr lang="fr-FR" sz="1000" dirty="0" smtClean="0">
-                <a:latin typeface="Arial"/>
-                <a:cs typeface="Arial"/>
-              </a:rPr>
-              <a:t> </a:t>
-            </a:r>
-            <a:r>
-              <a:rPr lang="mr-IN" sz="1000" dirty="0" smtClean="0">
-                <a:latin typeface="Arial"/>
-                <a:cs typeface="Arial"/>
-              </a:rPr>
-              <a:t>𝐼𝑆𝑢𝑏𝑗𝑒𝑐𝑡,</a:t>
-            </a:r>
-            <a:r>
-              <a:rPr lang="fr-FR" sz="1000" dirty="0" smtClean="0">
-                <a:latin typeface="Arial"/>
-                <a:cs typeface="Arial"/>
-              </a:rPr>
-              <a:t> </a:t>
-            </a:r>
-            <a:r>
-              <a:rPr lang="mr-IN" sz="1000" dirty="0" smtClean="0">
-                <a:latin typeface="Arial"/>
-                <a:cs typeface="Arial"/>
-              </a:rPr>
-              <a:t>𝑎</a:t>
-            </a:r>
-            <a:r>
-              <a:rPr lang="mr-IN" sz="1000" dirty="0">
-                <a:latin typeface="Arial"/>
-                <a:cs typeface="Arial"/>
-              </a:rPr>
-              <a:t>≠𝑏=⇒𝑎.𝑎𝑢𝑡ℎ𝐼𝑛𝑓𝑜≠</a:t>
-            </a:r>
-            <a:r>
-              <a:rPr lang="mr-IN" sz="1000" dirty="0" smtClean="0">
-                <a:latin typeface="Arial"/>
-                <a:cs typeface="Arial"/>
-              </a:rPr>
-              <a:t>𝑏.𝑎𝑢𝑡ℎ𝐼𝑛𝑓𝑜</a:t>
-            </a:r>
-            <a:endParaRPr lang="fr-FR" sz="1000" dirty="0" smtClean="0">
+            <a:endParaRPr lang="fr-FR" sz="1100" b="1" dirty="0">
               <a:latin typeface="Arial"/>
               <a:cs typeface="Arial"/>
             </a:endParaRPr>
           </a:p>
           <a:p>
-            <a:r>
-              <a:rPr lang="fr-FR" sz="1000" b="1" dirty="0" smtClean="0">
-                <a:latin typeface="Arial"/>
-                <a:cs typeface="Arial"/>
-              </a:rPr>
-              <a:t>P</a:t>
-            </a:r>
-            <a:r>
-              <a:rPr lang="mr-IN" sz="1000" b="1" dirty="0" smtClean="0">
-                <a:latin typeface="Arial"/>
-                <a:cs typeface="Arial"/>
-              </a:rPr>
-              <a:t>2</a:t>
-            </a:r>
-            <a:r>
-              <a:rPr lang="mr-IN" sz="1000" dirty="0" smtClean="0">
-                <a:latin typeface="Arial"/>
-                <a:cs typeface="Arial"/>
-              </a:rPr>
-              <a:t> :</a:t>
-            </a:r>
-            <a:r>
-              <a:rPr lang="fr-FR" sz="1000" dirty="0" smtClean="0">
-                <a:latin typeface="Arial"/>
-                <a:cs typeface="Arial"/>
-              </a:rPr>
-              <a:t> </a:t>
-            </a:r>
-            <a:r>
-              <a:rPr lang="mr-IN" sz="1000" dirty="0" smtClean="0">
-                <a:latin typeface="Arial"/>
-                <a:cs typeface="Arial"/>
-              </a:rPr>
-              <a:t>∀𝑎</a:t>
-            </a:r>
-            <a:r>
-              <a:rPr lang="fr-FR" sz="1000" dirty="0" smtClean="0">
-                <a:latin typeface="Arial"/>
-                <a:cs typeface="Arial"/>
-              </a:rPr>
-              <a:t> </a:t>
-            </a:r>
-            <a:r>
-              <a:rPr lang="mr-IN" sz="1000" dirty="0" smtClean="0">
-                <a:latin typeface="Arial"/>
-                <a:cs typeface="Arial"/>
-              </a:rPr>
-              <a:t>∈</a:t>
-            </a:r>
-            <a:r>
-              <a:rPr lang="fr-FR" sz="1000" dirty="0" smtClean="0">
-                <a:latin typeface="Arial"/>
-                <a:cs typeface="Arial"/>
-              </a:rPr>
-              <a:t> </a:t>
-            </a:r>
-            <a:r>
-              <a:rPr lang="mr-IN" sz="1000" dirty="0" smtClean="0">
-                <a:latin typeface="Arial"/>
-                <a:cs typeface="Arial"/>
-              </a:rPr>
-              <a:t>𝐼𝑆𝑢𝑏𝑗𝑒𝑐𝑡,</a:t>
-            </a:r>
-            <a:r>
-              <a:rPr lang="fr-FR" sz="1000" dirty="0">
-                <a:latin typeface="Arial"/>
-                <a:cs typeface="Arial"/>
-              </a:rPr>
-              <a:t> </a:t>
-            </a:r>
-            <a:r>
-              <a:rPr lang="mr-IN" sz="1000" dirty="0" smtClean="0">
-                <a:latin typeface="Arial"/>
-                <a:cs typeface="Arial"/>
-              </a:rPr>
-              <a:t>𝑎.𝑎𝑢𝑡ℎ𝐼𝑛𝑓𝑜</a:t>
-            </a:r>
-            <a:r>
-              <a:rPr lang="mr-IN" sz="1000" dirty="0">
-                <a:latin typeface="Arial"/>
-                <a:cs typeface="Arial"/>
-              </a:rPr>
-              <a:t>=</a:t>
-            </a:r>
-            <a:r>
-              <a:rPr lang="mr-IN" sz="1000" dirty="0" smtClean="0">
-                <a:latin typeface="Arial"/>
-                <a:cs typeface="Arial"/>
-              </a:rPr>
-              <a:t>𝑎.𝑎𝑢𝑡ℎ𝐼𝑛𝑓𝑜𝑖𝑛𝑖</a:t>
-            </a:r>
-            <a:endParaRPr lang="fr-FR" sz="1000" dirty="0" smtClean="0">
+            <a:endParaRPr lang="fr-FR" sz="1100" b="1" dirty="0">
               <a:latin typeface="Arial"/>
               <a:cs typeface="Arial"/>
             </a:endParaRPr>
           </a:p>
           <a:p>
             <a:r>
-              <a:rPr lang="fr-FR" sz="1000" b="1" dirty="0" smtClean="0">
-                <a:latin typeface="Arial"/>
-                <a:cs typeface="Arial"/>
-              </a:rPr>
-              <a:t>P3</a:t>
-            </a:r>
-            <a:r>
-              <a:rPr lang="fr-FR" sz="1000" dirty="0" smtClean="0">
-                <a:latin typeface="Arial"/>
-                <a:cs typeface="Arial"/>
-              </a:rPr>
-              <a:t> : </a:t>
-            </a:r>
-            <a:r>
-              <a:rPr lang="mr-IN" sz="1000" dirty="0" smtClean="0">
-                <a:latin typeface="Arial"/>
-                <a:cs typeface="Arial"/>
-              </a:rPr>
-              <a:t>∀𝑎</a:t>
-            </a:r>
-            <a:r>
-              <a:rPr lang="fr-FR" sz="1000" dirty="0" smtClean="0">
+              <a:rPr lang="fr-FR" sz="1100" b="1" dirty="0">
+                <a:latin typeface="Arial"/>
+                <a:cs typeface="Arial"/>
+              </a:rPr>
+              <a:t>P1</a:t>
+            </a:r>
+            <a:r>
+              <a:rPr lang="fr-FR" sz="1100" dirty="0">
+                <a:latin typeface="Arial"/>
+                <a:cs typeface="Arial"/>
+              </a:rPr>
+              <a:t>: </a:t>
+            </a:r>
+            <a:r>
+              <a:rPr lang="mr-IN" sz="1100" dirty="0">
+                <a:latin typeface="Arial"/>
+                <a:cs typeface="Arial"/>
+              </a:rPr>
+              <a:t>∀𝑎,𝑏</a:t>
+            </a:r>
+            <a:r>
+              <a:rPr lang="fr-FR" sz="1100" dirty="0">
                 <a:latin typeface="Arial"/>
                 <a:cs typeface="Arial"/>
               </a:rPr>
               <a:t> </a:t>
             </a:r>
             <a:r>
-              <a:rPr lang="mr-IN" sz="1000" dirty="0" smtClean="0">
+              <a:rPr lang="mr-IN" sz="1100" dirty="0">
                 <a:latin typeface="Arial"/>
                 <a:cs typeface="Arial"/>
               </a:rPr>
               <a:t>∈</a:t>
             </a:r>
             <a:r>
-              <a:rPr lang="fr-FR" sz="1000" dirty="0" smtClean="0">
+              <a:rPr lang="fr-FR" sz="1100" dirty="0">
                 <a:latin typeface="Arial"/>
                 <a:cs typeface="Arial"/>
               </a:rPr>
               <a:t> </a:t>
             </a:r>
             <a:r>
-              <a:rPr lang="mr-IN" sz="1000" dirty="0" smtClean="0">
+              <a:rPr lang="mr-IN" sz="1100" dirty="0">
                 <a:latin typeface="Arial"/>
                 <a:cs typeface="Arial"/>
               </a:rPr>
               <a:t>𝐼𝑆𝑢𝑏𝑗𝑒𝑐𝑡,</a:t>
             </a:r>
             <a:r>
-              <a:rPr lang="fr-FR" sz="1000" dirty="0">
+              <a:rPr lang="fr-FR" sz="1100" dirty="0">
                 <a:latin typeface="Arial"/>
                 <a:cs typeface="Arial"/>
               </a:rPr>
               <a:t> </a:t>
             </a:r>
             <a:r>
-              <a:rPr lang="mr-IN" sz="1000" dirty="0" smtClean="0">
-                <a:latin typeface="Arial"/>
-                <a:cs typeface="Arial"/>
-              </a:rPr>
-              <a:t>𝑎.𝑎𝑢𝑡ℎ𝑒𝑛𝑡𝑖𝑐𝑎𝑡𝑜𝑟</a:t>
-            </a:r>
-            <a:r>
-              <a:rPr lang="mr-IN" sz="1000" dirty="0">
-                <a:latin typeface="Arial"/>
-                <a:cs typeface="Arial"/>
-              </a:rPr>
-              <a:t>=</a:t>
-            </a:r>
-            <a:r>
-              <a:rPr lang="mr-IN" sz="1000" dirty="0" smtClean="0">
-                <a:latin typeface="Arial"/>
-                <a:cs typeface="Arial"/>
-              </a:rPr>
-              <a:t>𝑎.𝑎𝑢𝑡ℎ𝑒𝑛𝑡𝑖𝑐𝑎𝑡𝑜𝑟𝑖𝑛𝑖</a:t>
-            </a:r>
-            <a:endParaRPr lang="fr-FR" sz="1000" dirty="0" smtClean="0">
+              <a:rPr lang="mr-IN" sz="1100" dirty="0">
+                <a:latin typeface="Arial"/>
+                <a:cs typeface="Arial"/>
+              </a:rPr>
+              <a:t>𝑎≠𝑏=⇒𝑎.𝑎𝑢𝑡ℎ𝐼𝑛𝑓𝑜≠𝑏.𝑎𝑢𝑡ℎ𝐼𝑛𝑓𝑜</a:t>
+            </a:r>
+            <a:endParaRPr lang="fr-FR" sz="1100" dirty="0">
               <a:latin typeface="Arial"/>
               <a:cs typeface="Arial"/>
             </a:endParaRPr>
           </a:p>
           <a:p>
             <a:r>
-              <a:rPr lang="fr-FR" sz="1000" b="1" dirty="0" smtClean="0">
+              <a:rPr lang="fr-FR" sz="1100" b="1" dirty="0">
                 <a:latin typeface="Arial"/>
                 <a:cs typeface="Arial"/>
               </a:rPr>
               <a:t>P</a:t>
             </a:r>
             <a:r>
-              <a:rPr lang="mr-IN" sz="1000" b="1" dirty="0" smtClean="0">
-                <a:latin typeface="Arial"/>
-                <a:cs typeface="Arial"/>
-              </a:rPr>
-              <a:t>4</a:t>
-            </a:r>
-            <a:r>
-              <a:rPr lang="mr-IN" sz="1000" dirty="0" smtClean="0">
+              <a:rPr lang="mr-IN" sz="1100" b="1" dirty="0">
+                <a:latin typeface="Arial"/>
+                <a:cs typeface="Arial"/>
+              </a:rPr>
+              <a:t>2</a:t>
+            </a:r>
+            <a:r>
+              <a:rPr lang="mr-IN" sz="1100" dirty="0">
                 <a:latin typeface="Arial"/>
                 <a:cs typeface="Arial"/>
               </a:rPr>
               <a:t> :</a:t>
             </a:r>
             <a:r>
-              <a:rPr lang="fr-FR" sz="1000" dirty="0" smtClean="0">
+              <a:rPr lang="fr-FR" sz="1100" dirty="0">
                 <a:latin typeface="Arial"/>
                 <a:cs typeface="Arial"/>
               </a:rPr>
               <a:t> </a:t>
             </a:r>
             <a:r>
-              <a:rPr lang="mr-IN" sz="1000" dirty="0" smtClean="0">
+              <a:rPr lang="mr-IN" sz="1100" dirty="0">
                 <a:latin typeface="Arial"/>
                 <a:cs typeface="Arial"/>
               </a:rPr>
               <a:t>∀𝑎</a:t>
             </a:r>
             <a:r>
-              <a:rPr lang="fr-FR" sz="1000" dirty="0" smtClean="0">
+              <a:rPr lang="fr-FR" sz="1100" dirty="0">
                 <a:latin typeface="Arial"/>
                 <a:cs typeface="Arial"/>
               </a:rPr>
               <a:t> </a:t>
             </a:r>
             <a:r>
-              <a:rPr lang="mr-IN" sz="1000" dirty="0" smtClean="0">
+              <a:rPr lang="mr-IN" sz="1100" dirty="0">
                 <a:latin typeface="Arial"/>
                 <a:cs typeface="Arial"/>
               </a:rPr>
               <a:t>∈</a:t>
             </a:r>
             <a:r>
-              <a:rPr lang="fr-FR" sz="1000" dirty="0" smtClean="0">
+              <a:rPr lang="fr-FR" sz="1100" dirty="0">
                 <a:latin typeface="Arial"/>
                 <a:cs typeface="Arial"/>
               </a:rPr>
               <a:t> </a:t>
             </a:r>
             <a:r>
-              <a:rPr lang="mr-IN" sz="1000" dirty="0" smtClean="0">
-                <a:latin typeface="Arial"/>
-                <a:cs typeface="Arial"/>
-              </a:rPr>
-              <a:t>𝐼𝑆𝑢𝑏𝑗𝑒𝑐𝑡</a:t>
-            </a:r>
-            <a:r>
-              <a:rPr lang="fr-FR" sz="1000" dirty="0" smtClean="0">
-                <a:latin typeface="Arial"/>
-                <a:cs typeface="Arial"/>
-              </a:rPr>
-              <a:t>, </a:t>
-            </a:r>
-            <a:r>
-              <a:rPr lang="mr-IN" sz="1000" dirty="0" smtClean="0">
-                <a:latin typeface="Arial"/>
-                <a:cs typeface="Arial"/>
-              </a:rPr>
-              <a:t>(</a:t>
-            </a:r>
-            <a:r>
-              <a:rPr lang="mr-IN" sz="1000" dirty="0">
-                <a:latin typeface="Arial"/>
-                <a:cs typeface="Arial"/>
-              </a:rPr>
-              <a:t>𝑎.𝑖𝑑𝑃𝑟𝑜𝑜𝑓=∅</a:t>
-            </a:r>
-            <a:r>
-              <a:rPr lang="mr-IN" sz="1000" dirty="0" smtClean="0">
-                <a:latin typeface="Arial"/>
-                <a:cs typeface="Arial"/>
-              </a:rPr>
-              <a:t>)</a:t>
-            </a:r>
-            <a:r>
-              <a:rPr lang="fr-FR" sz="1000" dirty="0" smtClean="0">
+              <a:rPr lang="mr-IN" sz="1100" dirty="0">
+                <a:latin typeface="Arial"/>
+                <a:cs typeface="Arial"/>
+              </a:rPr>
+              <a:t>𝐼𝑆𝑢𝑏𝑗𝑒𝑐𝑡,</a:t>
+            </a:r>
+            <a:r>
+              <a:rPr lang="fr-FR" sz="1100" dirty="0">
                 <a:latin typeface="Arial"/>
                 <a:cs typeface="Arial"/>
               </a:rPr>
               <a:t> </a:t>
             </a:r>
             <a:r>
-              <a:rPr lang="mr-IN" sz="1000" dirty="0" smtClean="0">
-                <a:latin typeface="Arial"/>
-                <a:cs typeface="Arial"/>
-              </a:rPr>
-              <a:t>∨</a:t>
-            </a:r>
-            <a:r>
-              <a:rPr lang="fr-FR" sz="1000" dirty="0" smtClean="0">
-                <a:latin typeface="Arial"/>
-                <a:cs typeface="Arial"/>
-              </a:rPr>
-              <a:t> </a:t>
-            </a:r>
-          </a:p>
-          <a:p>
-            <a:r>
-              <a:rPr lang="mr-IN" sz="1000" dirty="0" smtClean="0">
-                <a:latin typeface="Arial"/>
-                <a:cs typeface="Arial"/>
-              </a:rPr>
-              <a:t>(𝑎.𝑖𝑑𝑃𝑟𝑜𝑜𝑓</a:t>
-            </a:r>
-            <a:r>
-              <a:rPr lang="fr-FR" sz="1000" dirty="0" smtClean="0">
-                <a:latin typeface="Arial"/>
-                <a:cs typeface="Arial"/>
-              </a:rPr>
-              <a:t> </a:t>
-            </a:r>
-            <a:r>
-              <a:rPr lang="mr-IN" sz="1000" dirty="0" smtClean="0">
-                <a:latin typeface="Arial"/>
-                <a:cs typeface="Arial"/>
-              </a:rPr>
-              <a:t>=</a:t>
-            </a:r>
-            <a:r>
-              <a:rPr lang="fr-FR" sz="1000" dirty="0" smtClean="0">
-                <a:latin typeface="Arial"/>
-                <a:cs typeface="Arial"/>
-              </a:rPr>
-              <a:t> </a:t>
-            </a:r>
-            <a:r>
-              <a:rPr lang="mr-IN" sz="1000" dirty="0" smtClean="0">
-                <a:latin typeface="Arial"/>
-                <a:cs typeface="Arial"/>
-              </a:rPr>
-              <a:t>𝑎.𝑎𝑢𝑡ℎ𝑒𝑛𝑡𝑖𝑐𝑎𝑡𝑜𝑟.𝑟𝑒𝑞𝑢𝑒𝑠𝑡</a:t>
-            </a:r>
-            <a:r>
-              <a:rPr lang="mr-IN" sz="1000" dirty="0">
-                <a:latin typeface="Arial"/>
-                <a:cs typeface="Arial"/>
-              </a:rPr>
-              <a:t>(𝑎.𝑎𝑢𝑡ℎ𝐼𝑛𝑓𝑜)</a:t>
-            </a:r>
-            <a:r>
-              <a:rPr lang="mr-IN" sz="1000" dirty="0" smtClean="0">
-                <a:latin typeface="Arial"/>
-                <a:cs typeface="Arial"/>
-              </a:rPr>
-              <a:t>)</a:t>
-            </a:r>
-            <a:endParaRPr lang="fr-FR" sz="1000" dirty="0" smtClean="0">
+              <a:rPr lang="mr-IN" sz="1100" dirty="0">
+                <a:latin typeface="Arial"/>
+                <a:cs typeface="Arial"/>
+              </a:rPr>
+              <a:t>𝑎.𝑎𝑢𝑡ℎ𝐼𝑛𝑓𝑜=𝑎.𝑎𝑢𝑡ℎ𝐼𝑛𝑓𝑜𝑖𝑛𝑖</a:t>
+            </a:r>
+            <a:endParaRPr lang="fr-FR" sz="1100" dirty="0">
               <a:latin typeface="Arial"/>
               <a:cs typeface="Arial"/>
             </a:endParaRPr>
           </a:p>
           <a:p>
             <a:r>
-              <a:rPr lang="fr-FR" sz="1000" b="1" dirty="0" smtClean="0">
-                <a:latin typeface="Arial"/>
-                <a:cs typeface="Arial"/>
-              </a:rPr>
-              <a:t>P</a:t>
-            </a:r>
-            <a:r>
-              <a:rPr lang="mr-IN" sz="1000" b="1" dirty="0" smtClean="0">
-                <a:latin typeface="Arial"/>
-                <a:cs typeface="Arial"/>
-              </a:rPr>
-              <a:t>5</a:t>
-            </a:r>
-            <a:r>
-              <a:rPr lang="mr-IN" sz="1000" dirty="0" smtClean="0">
-                <a:latin typeface="Arial"/>
-                <a:cs typeface="Arial"/>
-              </a:rPr>
-              <a:t> :</a:t>
-            </a:r>
-            <a:r>
-              <a:rPr lang="fr-FR" sz="1000" dirty="0" smtClean="0">
+              <a:rPr lang="fr-FR" sz="1100" b="1" dirty="0">
+                <a:latin typeface="Arial"/>
+                <a:cs typeface="Arial"/>
+              </a:rPr>
+              <a:t>P3</a:t>
+            </a:r>
+            <a:r>
+              <a:rPr lang="fr-FR" sz="1100" dirty="0">
+                <a:latin typeface="Arial"/>
+                <a:cs typeface="Arial"/>
+              </a:rPr>
+              <a:t> : </a:t>
+            </a:r>
+            <a:r>
+              <a:rPr lang="mr-IN" sz="1100" dirty="0">
+                <a:latin typeface="Arial"/>
+                <a:cs typeface="Arial"/>
+              </a:rPr>
+              <a:t>∀𝑎</a:t>
+            </a:r>
+            <a:r>
+              <a:rPr lang="fr-FR" sz="1100" dirty="0">
                 <a:latin typeface="Arial"/>
                 <a:cs typeface="Arial"/>
               </a:rPr>
               <a:t> </a:t>
             </a:r>
             <a:r>
-              <a:rPr lang="mr-IN" sz="1000" dirty="0" smtClean="0">
-                <a:latin typeface="Arial"/>
-                <a:cs typeface="Arial"/>
-              </a:rPr>
-              <a:t>𝑠𝑒𝑙𝑓.𝑖𝑑𝑃𝑟𝑜𝑜𝑓</a:t>
-            </a:r>
-            <a:r>
-              <a:rPr lang="fr-FR" sz="1000" dirty="0" smtClean="0">
+              <a:rPr lang="mr-IN" sz="1100" dirty="0">
+                <a:latin typeface="Arial"/>
+                <a:cs typeface="Arial"/>
+              </a:rPr>
+              <a:t>∈</a:t>
+            </a:r>
+            <a:r>
+              <a:rPr lang="fr-FR" sz="1100" dirty="0">
                 <a:latin typeface="Arial"/>
                 <a:cs typeface="Arial"/>
               </a:rPr>
               <a:t> </a:t>
             </a:r>
             <a:r>
-              <a:rPr lang="mr-IN" sz="1000" dirty="0" smtClean="0">
-                <a:latin typeface="Arial"/>
-                <a:cs typeface="Arial"/>
-              </a:rPr>
-              <a:t>=</a:t>
-            </a:r>
-            <a:r>
-              <a:rPr lang="fr-FR" sz="1000" dirty="0" smtClean="0">
+              <a:rPr lang="mr-IN" sz="1100" dirty="0">
+                <a:latin typeface="Arial"/>
+                <a:cs typeface="Arial"/>
+              </a:rPr>
+              <a:t>𝐼𝑆𝑢𝑏𝑗𝑒𝑐𝑡,</a:t>
+            </a:r>
+            <a:r>
+              <a:rPr lang="fr-FR" sz="1100" dirty="0">
                 <a:latin typeface="Arial"/>
                 <a:cs typeface="Arial"/>
               </a:rPr>
               <a:t> </a:t>
             </a:r>
             <a:r>
-              <a:rPr lang="mr-IN" sz="1000" dirty="0" smtClean="0">
-                <a:latin typeface="Arial"/>
-                <a:cs typeface="Arial"/>
-              </a:rPr>
-              <a:t>𝑠𝑒𝑙𝑓.𝑎𝑢𝑡ℎ𝑒𝑛𝑡𝑖𝑐𝑎𝑡𝑜𝑟.𝑟𝑒𝑞𝑢𝑒𝑠𝑡</a:t>
-            </a:r>
-            <a:r>
-              <a:rPr lang="mr-IN" sz="1000" dirty="0">
-                <a:latin typeface="Arial"/>
-                <a:cs typeface="Arial"/>
-              </a:rPr>
-              <a:t>(</a:t>
-            </a:r>
-            <a:r>
-              <a:rPr lang="mr-IN" sz="1000" dirty="0" smtClean="0">
-                <a:latin typeface="Arial"/>
-                <a:cs typeface="Arial"/>
-              </a:rPr>
-              <a:t>𝑠𝑒𝑙</a:t>
-            </a:r>
-            <a:r>
-              <a:rPr lang="fr-FR" sz="1000" dirty="0" smtClean="0">
-                <a:latin typeface="Arial"/>
-                <a:cs typeface="Arial"/>
-              </a:rPr>
-              <a:t>f</a:t>
-            </a:r>
-            <a:r>
-              <a:rPr lang="mr-IN" sz="1000" dirty="0" smtClean="0">
-                <a:latin typeface="Arial"/>
-                <a:cs typeface="Arial"/>
-              </a:rPr>
-              <a:t>.𝑎𝑢𝑡ℎ𝐼𝑛𝑓𝑜)</a:t>
-            </a:r>
-            <a:endParaRPr lang="fr-FR" sz="1000" dirty="0" smtClean="0">
+              <a:rPr lang="mr-IN" sz="1100" dirty="0">
+                <a:latin typeface="Arial"/>
+                <a:cs typeface="Arial"/>
+              </a:rPr>
+              <a:t>𝑎.𝑎𝑢𝑡ℎ𝑒𝑛𝑡𝑖𝑐𝑎𝑡𝑜𝑟=𝑎.𝑎𝑢𝑡ℎ𝑒𝑛𝑡𝑖𝑐𝑎𝑡𝑜𝑟𝑖𝑛𝑖</a:t>
+            </a:r>
+            <a:endParaRPr lang="fr-FR" sz="1100" dirty="0">
               <a:latin typeface="Arial"/>
               <a:cs typeface="Arial"/>
             </a:endParaRPr>
           </a:p>
           <a:p>
             <a:r>
-              <a:rPr lang="fr-FR" sz="1000" b="1" dirty="0" smtClean="0">
+              <a:rPr lang="fr-FR" sz="1100" b="1" dirty="0">
                 <a:latin typeface="Arial"/>
                 <a:cs typeface="Arial"/>
               </a:rPr>
               <a:t>P</a:t>
             </a:r>
             <a:r>
-              <a:rPr lang="mr-IN" sz="1000" b="1" dirty="0" smtClean="0">
+              <a:rPr lang="mr-IN" sz="1100" b="1" dirty="0">
+                <a:latin typeface="Arial"/>
+                <a:cs typeface="Arial"/>
+              </a:rPr>
+              <a:t>4</a:t>
+            </a:r>
+            <a:r>
+              <a:rPr lang="mr-IN" sz="1100" dirty="0">
+                <a:latin typeface="Arial"/>
+                <a:cs typeface="Arial"/>
+              </a:rPr>
+              <a:t> :</a:t>
+            </a:r>
+            <a:r>
+              <a:rPr lang="fr-FR" sz="1100" dirty="0">
+                <a:latin typeface="Arial"/>
+                <a:cs typeface="Arial"/>
+              </a:rPr>
+              <a:t> </a:t>
+            </a:r>
+            <a:r>
+              <a:rPr lang="mr-IN" sz="1100" dirty="0">
+                <a:latin typeface="Arial"/>
+                <a:cs typeface="Arial"/>
+              </a:rPr>
+              <a:t>∀𝑎</a:t>
+            </a:r>
+            <a:r>
+              <a:rPr lang="fr-FR" sz="1100" dirty="0">
+                <a:latin typeface="Arial"/>
+                <a:cs typeface="Arial"/>
+              </a:rPr>
+              <a:t> </a:t>
+            </a:r>
+            <a:r>
+              <a:rPr lang="mr-IN" sz="1100" dirty="0">
+                <a:latin typeface="Arial"/>
+                <a:cs typeface="Arial"/>
+              </a:rPr>
+              <a:t>∈</a:t>
+            </a:r>
+            <a:r>
+              <a:rPr lang="fr-FR" sz="1100" dirty="0">
+                <a:latin typeface="Arial"/>
+                <a:cs typeface="Arial"/>
+              </a:rPr>
+              <a:t> </a:t>
+            </a:r>
+            <a:r>
+              <a:rPr lang="mr-IN" sz="1100" dirty="0">
+                <a:latin typeface="Arial"/>
+                <a:cs typeface="Arial"/>
+              </a:rPr>
+              <a:t>𝐼𝑆𝑢𝑏𝑗𝑒𝑐𝑡</a:t>
+            </a:r>
+            <a:r>
+              <a:rPr lang="fr-FR" sz="1100" dirty="0">
+                <a:latin typeface="Arial"/>
+                <a:cs typeface="Arial"/>
+              </a:rPr>
+              <a:t>, </a:t>
+            </a:r>
+            <a:r>
+              <a:rPr lang="mr-IN" sz="1100" dirty="0">
+                <a:latin typeface="Arial"/>
+                <a:cs typeface="Arial"/>
+              </a:rPr>
+              <a:t>(𝑎.𝑖𝑑𝑃𝑟𝑜𝑜𝑓=∅)</a:t>
+            </a:r>
+            <a:r>
+              <a:rPr lang="fr-FR" sz="1100" dirty="0">
+                <a:latin typeface="Arial"/>
+                <a:cs typeface="Arial"/>
+              </a:rPr>
+              <a:t> </a:t>
+            </a:r>
+            <a:r>
+              <a:rPr lang="mr-IN" sz="1100" dirty="0">
+                <a:latin typeface="Arial"/>
+                <a:cs typeface="Arial"/>
+              </a:rPr>
+              <a:t>∨</a:t>
+            </a:r>
+            <a:r>
+              <a:rPr lang="fr-FR" sz="1100" dirty="0">
+                <a:latin typeface="Arial"/>
+                <a:cs typeface="Arial"/>
+              </a:rPr>
+              <a:t> </a:t>
+            </a:r>
+          </a:p>
+          <a:p>
+            <a:r>
+              <a:rPr lang="mr-IN" sz="1100" dirty="0">
+                <a:latin typeface="Arial"/>
+                <a:cs typeface="Arial"/>
+              </a:rPr>
+              <a:t>(𝑎.𝑖𝑑𝑃𝑟𝑜𝑜𝑓</a:t>
+            </a:r>
+            <a:r>
+              <a:rPr lang="fr-FR" sz="1100" dirty="0">
+                <a:latin typeface="Arial"/>
+                <a:cs typeface="Arial"/>
+              </a:rPr>
+              <a:t> </a:t>
+            </a:r>
+            <a:r>
+              <a:rPr lang="mr-IN" sz="1100" dirty="0">
+                <a:latin typeface="Arial"/>
+                <a:cs typeface="Arial"/>
+              </a:rPr>
+              <a:t>=</a:t>
+            </a:r>
+            <a:r>
+              <a:rPr lang="fr-FR" sz="1100" dirty="0">
+                <a:latin typeface="Arial"/>
+                <a:cs typeface="Arial"/>
+              </a:rPr>
+              <a:t> </a:t>
+            </a:r>
+            <a:r>
+              <a:rPr lang="mr-IN" sz="1100" dirty="0">
+                <a:latin typeface="Arial"/>
+                <a:cs typeface="Arial"/>
+              </a:rPr>
+              <a:t>𝑎.𝑎𝑢𝑡ℎ𝑒𝑛𝑡𝑖𝑐𝑎𝑡𝑜𝑟.𝑟𝑒𝑞𝑢𝑒𝑠𝑡(𝑎.𝑎𝑢𝑡ℎ𝐼𝑛𝑓𝑜))</a:t>
+            </a:r>
+            <a:endParaRPr lang="fr-FR" sz="1100" dirty="0">
+              <a:latin typeface="Arial"/>
+              <a:cs typeface="Arial"/>
+            </a:endParaRPr>
+          </a:p>
+          <a:p>
+            <a:r>
+              <a:rPr lang="fr-FR" sz="1100" b="1" dirty="0">
+                <a:latin typeface="Arial"/>
+                <a:cs typeface="Arial"/>
+              </a:rPr>
+              <a:t>P</a:t>
+            </a:r>
+            <a:r>
+              <a:rPr lang="mr-IN" sz="1100" b="1" dirty="0">
+                <a:latin typeface="Arial"/>
+                <a:cs typeface="Arial"/>
+              </a:rPr>
+              <a:t>5</a:t>
+            </a:r>
+            <a:r>
+              <a:rPr lang="mr-IN" sz="1100" dirty="0">
+                <a:latin typeface="Arial"/>
+                <a:cs typeface="Arial"/>
+              </a:rPr>
+              <a:t> :</a:t>
+            </a:r>
+            <a:r>
+              <a:rPr lang="fr-FR" sz="1100" dirty="0">
+                <a:latin typeface="Arial"/>
+                <a:cs typeface="Arial"/>
+              </a:rPr>
+              <a:t> </a:t>
+            </a:r>
+            <a:r>
+              <a:rPr lang="mr-IN" sz="1100" dirty="0">
+                <a:latin typeface="Arial"/>
+                <a:cs typeface="Arial"/>
+              </a:rPr>
+              <a:t>𝑠𝑒𝑙𝑓.𝑖𝑑𝑃𝑟𝑜𝑜𝑓</a:t>
+            </a:r>
+            <a:r>
+              <a:rPr lang="fr-FR" sz="1100" dirty="0">
+                <a:latin typeface="Arial"/>
+                <a:cs typeface="Arial"/>
+              </a:rPr>
+              <a:t> </a:t>
+            </a:r>
+            <a:r>
+              <a:rPr lang="mr-IN" sz="1100" dirty="0">
+                <a:latin typeface="Arial"/>
+                <a:cs typeface="Arial"/>
+              </a:rPr>
+              <a:t>=</a:t>
+            </a:r>
+            <a:r>
+              <a:rPr lang="fr-FR" sz="1100" dirty="0">
+                <a:latin typeface="Arial"/>
+                <a:cs typeface="Arial"/>
+              </a:rPr>
+              <a:t> </a:t>
+            </a:r>
+            <a:r>
+              <a:rPr lang="mr-IN" sz="1100" dirty="0">
+                <a:latin typeface="Arial"/>
+                <a:cs typeface="Arial"/>
+              </a:rPr>
+              <a:t>𝑠𝑒𝑙𝑓.𝑎𝑢𝑡ℎ𝑒𝑛𝑡𝑖𝑐𝑎𝑡𝑜𝑟.𝑟𝑒𝑞𝑢𝑒𝑠𝑡(𝑠𝑒𝑙</a:t>
+            </a:r>
+            <a:r>
+              <a:rPr lang="fr-FR" sz="1100" dirty="0">
+                <a:latin typeface="Arial"/>
+                <a:cs typeface="Arial"/>
+              </a:rPr>
+              <a:t>f</a:t>
+            </a:r>
+            <a:r>
+              <a:rPr lang="mr-IN" sz="1100" dirty="0">
+                <a:latin typeface="Arial"/>
+                <a:cs typeface="Arial"/>
+              </a:rPr>
+              <a:t>.𝑎𝑢𝑡ℎ𝐼𝑛𝑓𝑜)</a:t>
+            </a:r>
+            <a:endParaRPr lang="fr-FR" sz="1100" dirty="0">
+              <a:latin typeface="Arial"/>
+              <a:cs typeface="Arial"/>
+            </a:endParaRPr>
+          </a:p>
+          <a:p>
+            <a:r>
+              <a:rPr lang="fr-FR" sz="1100" b="1" dirty="0">
+                <a:latin typeface="Arial"/>
+                <a:cs typeface="Arial"/>
+              </a:rPr>
+              <a:t>P</a:t>
+            </a:r>
+            <a:r>
+              <a:rPr lang="mr-IN" sz="1100" b="1" dirty="0">
                 <a:latin typeface="Arial"/>
                 <a:cs typeface="Arial"/>
               </a:rPr>
               <a:t>6</a:t>
             </a:r>
             <a:r>
-              <a:rPr lang="mr-IN" sz="1000" dirty="0" smtClean="0">
+              <a:rPr lang="mr-IN" sz="1100" dirty="0">
                 <a:latin typeface="Arial"/>
                 <a:cs typeface="Arial"/>
               </a:rPr>
               <a:t> :</a:t>
             </a:r>
             <a:r>
-              <a:rPr lang="fr-FR" sz="1000" dirty="0" smtClean="0">
+              <a:rPr lang="fr-FR" sz="1100" dirty="0">
                 <a:latin typeface="Arial"/>
                 <a:cs typeface="Arial"/>
               </a:rPr>
               <a:t> </a:t>
             </a:r>
             <a:r>
-              <a:rPr lang="mr-IN" sz="1000" dirty="0" smtClean="0">
+              <a:rPr lang="mr-IN" sz="1100" dirty="0">
                 <a:latin typeface="Arial"/>
                 <a:cs typeface="Arial"/>
               </a:rPr>
               <a:t>𝑠𝑒𝑙</a:t>
             </a:r>
             <a:r>
-              <a:rPr lang="fr-FR" sz="1000" dirty="0" smtClean="0">
+              <a:rPr lang="fr-FR" sz="1100" dirty="0">
                 <a:latin typeface="Arial"/>
                 <a:cs typeface="Arial"/>
               </a:rPr>
               <a:t>f</a:t>
             </a:r>
             <a:r>
-              <a:rPr lang="mr-IN" sz="1000" dirty="0" smtClean="0">
-                <a:latin typeface="Arial"/>
-                <a:cs typeface="Arial"/>
-              </a:rPr>
-              <a:t>.𝑐ℎ𝑒𝑐𝑘</a:t>
-            </a:r>
-            <a:r>
-              <a:rPr lang="mr-IN" sz="1000" dirty="0">
-                <a:latin typeface="Arial"/>
-                <a:cs typeface="Arial"/>
-              </a:rPr>
-              <a:t>(𝑎𝑢𝑡ℎ𝐼𝑛𝑓𝑜</a:t>
-            </a:r>
-            <a:r>
-              <a:rPr lang="mr-IN" sz="1000" dirty="0" smtClean="0">
-                <a:latin typeface="Arial"/>
-                <a:cs typeface="Arial"/>
-              </a:rPr>
-              <a:t>)</a:t>
-            </a:r>
-            <a:r>
-              <a:rPr lang="fr-FR" sz="1000" dirty="0" smtClean="0">
+              <a:rPr lang="mr-IN" sz="1100" dirty="0">
+                <a:latin typeface="Arial"/>
+                <a:cs typeface="Arial"/>
+              </a:rPr>
+              <a:t>.𝑐ℎ𝑒𝑐𝑘(𝑎𝑢𝑡ℎ𝐼𝑛𝑓𝑜)</a:t>
+            </a:r>
+            <a:r>
+              <a:rPr lang="fr-FR" sz="1100" dirty="0">
                 <a:latin typeface="Arial"/>
                 <a:cs typeface="Arial"/>
               </a:rPr>
               <a:t> </a:t>
             </a:r>
             <a:r>
-              <a:rPr lang="mr-IN" sz="1000" dirty="0" smtClean="0">
+              <a:rPr lang="mr-IN" sz="1100" dirty="0">
                 <a:latin typeface="Arial"/>
                 <a:cs typeface="Arial"/>
               </a:rPr>
               <a:t>∨</a:t>
             </a:r>
             <a:r>
-              <a:rPr lang="fr-FR" sz="1000" dirty="0" smtClean="0">
+              <a:rPr lang="fr-FR" sz="1100" dirty="0">
                 <a:latin typeface="Arial"/>
                 <a:cs typeface="Arial"/>
               </a:rPr>
               <a:t> </a:t>
             </a:r>
             <a:r>
-              <a:rPr lang="mr-IN" sz="1000" dirty="0" smtClean="0">
+              <a:rPr lang="mr-IN" sz="1100" dirty="0">
                 <a:latin typeface="Arial"/>
                 <a:cs typeface="Arial"/>
               </a:rPr>
               <a:t>𝑟𝑒𝑡𝑢𝑟𝑛𝑉𝑎𝑙𝑢𝑒</a:t>
             </a:r>
             <a:r>
-              <a:rPr lang="fr-FR" sz="1000" dirty="0" smtClean="0">
+              <a:rPr lang="fr-FR" sz="1100" dirty="0">
                 <a:latin typeface="Arial"/>
                 <a:cs typeface="Arial"/>
               </a:rPr>
               <a:t> </a:t>
             </a:r>
             <a:r>
-              <a:rPr lang="mr-IN" sz="1000" dirty="0" smtClean="0">
+              <a:rPr lang="mr-IN" sz="1100" dirty="0">
                 <a:latin typeface="Arial"/>
                 <a:cs typeface="Arial"/>
               </a:rPr>
               <a:t>=</a:t>
             </a:r>
             <a:r>
-              <a:rPr lang="fr-FR" sz="1000" dirty="0" smtClean="0">
+              <a:rPr lang="fr-FR" sz="1100" dirty="0">
                 <a:latin typeface="Arial"/>
                 <a:cs typeface="Arial"/>
               </a:rPr>
               <a:t> </a:t>
             </a:r>
             <a:r>
-              <a:rPr lang="mr-IN" sz="1000" dirty="0" smtClean="0">
+              <a:rPr lang="mr-IN" sz="1100" dirty="0">
                 <a:latin typeface="Arial"/>
                 <a:cs typeface="Arial"/>
               </a:rPr>
               <a:t>∅</a:t>
             </a:r>
-            <a:endParaRPr lang="fr-FR" sz="1000" dirty="0" smtClean="0">
+            <a:endParaRPr lang="fr-FR" sz="1100" dirty="0">
               <a:latin typeface="Arial"/>
               <a:cs typeface="Arial"/>
             </a:endParaRPr>
@@ -3975,16 +3883,12 @@
           <a:lstStyle/>
           <a:p>
             <a:r>
-              <a:rPr lang="en-US" sz="1600" dirty="0" smtClean="0">
+              <a:rPr lang="en-US" sz="1600" dirty="0">
                 <a:latin typeface="Arial"/>
                 <a:cs typeface="Arial"/>
               </a:rPr>
               <a:t>*</a:t>
             </a:r>
-            <a:endParaRPr lang="en-US" sz="1600" dirty="0">
-              <a:latin typeface="Arial"/>
-              <a:cs typeface="Arial"/>
-            </a:endParaRPr>
           </a:p>
         </p:txBody>
       </p:sp>
@@ -4023,10 +3927,9 @@
           <a:p>
             <a:pPr algn="ctr"/>
             <a:r>
-              <a:rPr lang="en-US" dirty="0" smtClean="0"/>
+              <a:rPr lang="en-US" dirty="0"/>
               <a:t>Client</a:t>
             </a:r>
-            <a:endParaRPr lang="en-US" dirty="0"/>
           </a:p>
         </p:txBody>
       </p:sp>
@@ -4093,7 +3996,7 @@
           <a:lstStyle/>
           <a:p>
             <a:r>
-              <a:rPr lang="en-US" sz="1200" dirty="0" smtClean="0">
+              <a:rPr lang="en-US" sz="1200" dirty="0">
                 <a:latin typeface="Arial"/>
                 <a:cs typeface="Arial"/>
               </a:rPr>
@@ -4105,7 +4008,7 @@
               <a:buFontTx/>
               <a:buChar char="-"/>
             </a:pPr>
-            <a:endParaRPr lang="en-US" sz="1200" dirty="0" smtClean="0">
+            <a:endParaRPr lang="en-US" sz="1200" dirty="0">
               <a:latin typeface="Arial"/>
               <a:cs typeface="Arial"/>
             </a:endParaRPr>
@@ -4115,7 +4018,7 @@
               <a:buFontTx/>
               <a:buChar char="-"/>
             </a:pPr>
-            <a:endParaRPr lang="en-US" sz="1200" dirty="0" smtClean="0">
+            <a:endParaRPr lang="en-US" sz="1200" dirty="0">
               <a:latin typeface="Arial"/>
               <a:cs typeface="Arial"/>
             </a:endParaRPr>
@@ -4155,7 +4058,7 @@
           <a:lstStyle/>
           <a:p>
             <a:r>
-              <a:rPr lang="en-US" sz="1200" dirty="0" smtClean="0">
+              <a:rPr lang="en-US" sz="1200" dirty="0">
                 <a:latin typeface="Arial"/>
                 <a:cs typeface="Arial"/>
               </a:rPr>
@@ -4167,7 +4070,7 @@
               <a:buFontTx/>
               <a:buChar char="-"/>
             </a:pPr>
-            <a:endParaRPr lang="en-US" sz="1200" dirty="0" smtClean="0">
+            <a:endParaRPr lang="en-US" sz="1200" dirty="0">
               <a:latin typeface="Arial"/>
               <a:cs typeface="Arial"/>
             </a:endParaRPr>
@@ -4177,7 +4080,7 @@
               <a:buFontTx/>
               <a:buChar char="-"/>
             </a:pPr>
-            <a:endParaRPr lang="en-US" sz="1200" dirty="0" smtClean="0">
+            <a:endParaRPr lang="en-US" sz="1200" dirty="0">
               <a:latin typeface="Arial"/>
               <a:cs typeface="Arial"/>
             </a:endParaRPr>
@@ -4217,20 +4120,20 @@
           <a:lstStyle/>
           <a:p>
             <a:r>
-              <a:rPr lang="en-US" sz="1200" dirty="0" smtClean="0">
+              <a:rPr lang="en-US" sz="1200" dirty="0">
                 <a:latin typeface="Arial"/>
                 <a:cs typeface="Arial"/>
               </a:rPr>
               <a:t>- </a:t>
             </a:r>
             <a:r>
-              <a:rPr lang="en-US" sz="1200" dirty="0" err="1" smtClean="0">
+              <a:rPr lang="en-US" sz="1200" dirty="0" err="1">
                 <a:latin typeface="Arial"/>
                 <a:cs typeface="Arial"/>
               </a:rPr>
               <a:t>authInfo</a:t>
             </a:r>
-            <a:endParaRPr lang="en-US" sz="1200" dirty="0" smtClean="0">
+            <a:endParaRPr lang="en-US" sz="1200" dirty="0">
               <a:latin typeface="Arial"/>
               <a:cs typeface="Arial"/>
             </a:endParaRPr>
@@ -4240,7 +4143,7 @@
               <a:buFontTx/>
               <a:buChar char="-"/>
             </a:pPr>
-            <a:endParaRPr lang="en-US" sz="1200" dirty="0" smtClean="0">
+            <a:endParaRPr lang="en-US" sz="1200" dirty="0">
               <a:latin typeface="Arial"/>
               <a:cs typeface="Arial"/>
             </a:endParaRPr>
@@ -4250,7 +4153,7 @@
               <a:buFontTx/>
               <a:buChar char="-"/>
             </a:pPr>
-            <a:endParaRPr lang="en-US" sz="1200" dirty="0" smtClean="0">
+            <a:endParaRPr lang="en-US" sz="1200" dirty="0">
               <a:latin typeface="Arial"/>
               <a:cs typeface="Arial"/>
             </a:endParaRPr>
@@ -4290,20 +4193,20 @@
           <a:lstStyle/>
           <a:p>
             <a:r>
-              <a:rPr lang="en-US" sz="1200" dirty="0" smtClean="0">
+              <a:rPr lang="en-US" sz="1200" dirty="0">
                 <a:latin typeface="Arial"/>
                 <a:cs typeface="Arial"/>
               </a:rPr>
               <a:t>- </a:t>
             </a:r>
             <a:r>
-              <a:rPr lang="en-US" sz="1200" dirty="0" err="1" smtClean="0">
+              <a:rPr lang="en-US" sz="1200" dirty="0" err="1">
                 <a:latin typeface="Arial"/>
                 <a:cs typeface="Arial"/>
               </a:rPr>
               <a:t>IDProof</a:t>
             </a:r>
-            <a:endParaRPr lang="en-US" sz="1200" dirty="0" smtClean="0">
+            <a:endParaRPr lang="en-US" sz="1200" dirty="0">
               <a:latin typeface="Arial"/>
               <a:cs typeface="Arial"/>
             </a:endParaRPr>
@@ -4313,7 +4216,7 @@
               <a:buFontTx/>
               <a:buChar char="-"/>
             </a:pPr>
-            <a:endParaRPr lang="en-US" sz="1200" dirty="0" smtClean="0">
+            <a:endParaRPr lang="en-US" sz="1200" dirty="0">
               <a:latin typeface="Arial"/>
               <a:cs typeface="Arial"/>
             </a:endParaRPr>
@@ -4323,7 +4226,7 @@
               <a:buFontTx/>
               <a:buChar char="-"/>
             </a:pPr>
-            <a:endParaRPr lang="en-US" sz="1200" dirty="0" smtClean="0">
+            <a:endParaRPr lang="en-US" sz="1200" dirty="0">
               <a:latin typeface="Arial"/>
               <a:cs typeface="Arial"/>
             </a:endParaRPr>
@@ -4429,10 +4332,9 @@
             <a:p>
               <a:pPr algn="ctr"/>
               <a:r>
-                <a:rPr lang="en-US" dirty="0" smtClean="0"/>
+                <a:rPr lang="en-US" dirty="0"/>
                 <a:t>Manager</a:t>
               </a:r>
-              <a:endParaRPr lang="en-US" dirty="0"/>
             </a:p>
           </p:txBody>
         </p:sp>
@@ -4499,21 +4401,21 @@
             <a:lstStyle/>
             <a:p>
               <a:r>
-                <a:rPr lang="en-US" sz="1200" dirty="0" smtClean="0">
+                <a:rPr lang="en-US" sz="1200" dirty="0">
                   <a:latin typeface="Arial"/>
                   <a:cs typeface="Arial"/>
                 </a:rPr>
                 <a:t>+ </a:t>
               </a:r>
               <a:r>
-                <a:rPr lang="en-US" sz="1200" dirty="0" err="1" smtClean="0">
+                <a:rPr lang="en-US" sz="1200" dirty="0" err="1">
                   <a:latin typeface="Arial"/>
                   <a:cs typeface="Arial"/>
                 </a:rPr>
                 <a:t>int</a:t>
               </a:r>
               <a:r>
-                <a:rPr lang="en-US" sz="1200" dirty="0" smtClean="0">
+                <a:rPr lang="en-US" sz="1200" dirty="0">
                   <a:latin typeface="Arial"/>
                   <a:cs typeface="Arial"/>
                 </a:rPr>
@@ -4525,7 +4427,7 @@
                 <a:buFontTx/>
                 <a:buChar char="-"/>
               </a:pPr>
-              <a:endParaRPr lang="en-US" sz="1200" dirty="0" smtClean="0">
+              <a:endParaRPr lang="en-US" sz="1200" dirty="0">
                 <a:latin typeface="Arial"/>
                 <a:cs typeface="Arial"/>
               </a:endParaRPr>
@@ -4535,7 +4437,7 @@
                 <a:buFontTx/>
                 <a:buChar char="-"/>
               </a:pPr>
-              <a:endParaRPr lang="en-US" sz="1200" dirty="0" smtClean="0">
+              <a:endParaRPr lang="en-US" sz="1200" dirty="0">
                 <a:latin typeface="Arial"/>
                 <a:cs typeface="Arial"/>
               </a:endParaRPr>
@@ -4642,7 +4544,7 @@
             <a:p>
               <a:pPr algn="ctr"/>
               <a:r>
-                <a:rPr lang="en-US" sz="1600" dirty="0" err="1" smtClean="0"/>
+                <a:rPr lang="en-US" sz="1600" dirty="0" err="1"/>
                 <a:t>AuthenticatorPatternDefinition</a:t>
               </a:r>
               <a:endParaRPr lang="en-US" sz="1600" dirty="0"/>
@@ -4684,10 +4586,9 @@
             <a:p>
               <a:pPr algn="ctr"/>
               <a:r>
-                <a:rPr lang="en-US" sz="1400" dirty="0" smtClean="0"/>
+                <a:rPr lang="en-US" sz="1400" dirty="0"/>
                 <a:t>Subject</a:t>
               </a:r>
-              <a:endParaRPr lang="en-US" sz="1400" dirty="0"/>
             </a:p>
           </p:txBody>
         </p:sp>
@@ -4700,7 +4601,7 @@
           <p:spPr>
             <a:xfrm>
               <a:off x="3301070" y="2288736"/>
-              <a:ext cx="2529359" cy="306380"/>
+              <a:ext cx="2529359" cy="279692"/>
             </a:xfrm>
             <a:prstGeom prst="rect">
               <a:avLst/>
@@ -4721,13 +4622,13 @@
                 <a:buChar char="-"/>
               </a:pPr>
               <a:r>
-                <a:rPr lang="en-US" sz="1100" dirty="0" err="1" smtClean="0">
+                <a:rPr lang="en-US" sz="1200" dirty="0" err="1">
                   <a:latin typeface="Arial"/>
                   <a:cs typeface="Arial"/>
                 </a:rPr>
                 <a:t>authenticatorGetterMethod</a:t>
               </a:r>
-              <a:endParaRPr lang="en-US" sz="1100" dirty="0" smtClean="0">
+              <a:endParaRPr lang="en-US" sz="1200" dirty="0">
                 <a:latin typeface="Arial"/>
                 <a:cs typeface="Arial"/>
               </a:endParaRPr>
@@ -4784,7 +4685,7 @@
           <p:spPr>
             <a:xfrm>
               <a:off x="3301070" y="2078861"/>
-              <a:ext cx="2529359" cy="275717"/>
+              <a:ext cx="2529359" cy="279692"/>
             </a:xfrm>
             <a:prstGeom prst="rect">
               <a:avLst/>
@@ -4805,13 +4706,13 @@
                 <a:buChar char="-"/>
               </a:pPr>
               <a:r>
-                <a:rPr lang="en-US" sz="1100" dirty="0" err="1" smtClean="0">
+                <a:rPr lang="en-US" sz="1200" dirty="0" err="1">
                   <a:latin typeface="Arial"/>
                   <a:cs typeface="Arial"/>
                 </a:rPr>
                 <a:t>requestAuthenticationMethod</a:t>
               </a:r>
-              <a:endParaRPr lang="en-US" sz="1100" dirty="0" smtClean="0">
+              <a:endParaRPr lang="en-US" sz="1200" dirty="0">
                 <a:latin typeface="Arial"/>
                 <a:cs typeface="Arial"/>
               </a:endParaRPr>
@@ -4827,7 +4728,7 @@
           <p:spPr>
             <a:xfrm>
               <a:off x="3301070" y="2495202"/>
-              <a:ext cx="2529359" cy="275717"/>
+              <a:ext cx="2529359" cy="279692"/>
             </a:xfrm>
             <a:prstGeom prst="rect">
               <a:avLst/>
@@ -4848,13 +4749,13 @@
                 <a:buChar char="-"/>
               </a:pPr>
               <a:r>
-                <a:rPr lang="en-US" sz="1100" dirty="0" err="1" smtClean="0">
+                <a:rPr lang="en-US" sz="1200" dirty="0" err="1">
                   <a:latin typeface="Arial"/>
                   <a:cs typeface="Arial"/>
                 </a:rPr>
                 <a:t>authenticationInfoMethod</a:t>
               </a:r>
-              <a:endParaRPr lang="en-US" sz="1100" dirty="0" smtClean="0">
+              <a:endParaRPr lang="en-US" sz="1200" dirty="0">
                 <a:latin typeface="Arial"/>
                 <a:cs typeface="Arial"/>
               </a:endParaRPr>
@@ -4870,7 +4771,7 @@
           <p:spPr>
             <a:xfrm>
               <a:off x="3301070" y="2707419"/>
-              <a:ext cx="2529359" cy="275717"/>
+              <a:ext cx="2529359" cy="279692"/>
             </a:xfrm>
             <a:prstGeom prst="rect">
               <a:avLst/>
@@ -4891,13 +4792,13 @@
                 <a:buChar char="-"/>
               </a:pPr>
               <a:r>
-                <a:rPr lang="en-US" sz="1100" dirty="0" err="1" smtClean="0">
+                <a:rPr lang="en-US" sz="1200" dirty="0" err="1">
                   <a:latin typeface="Arial"/>
                   <a:cs typeface="Arial"/>
                 </a:rPr>
                 <a:t>proofOfIdentitySetterMethod</a:t>
               </a:r>
-              <a:endParaRPr lang="en-US" sz="1100" dirty="0" smtClean="0">
+              <a:endParaRPr lang="en-US" sz="1200" dirty="0">
                 <a:latin typeface="Arial"/>
                 <a:cs typeface="Arial"/>
               </a:endParaRPr>
@@ -4913,7 +4814,7 @@
           <p:spPr>
             <a:xfrm>
               <a:off x="3301070" y="2932559"/>
-              <a:ext cx="1745139" cy="275717"/>
+              <a:ext cx="1745139" cy="279692"/>
             </a:xfrm>
             <a:prstGeom prst="rect">
               <a:avLst/>
@@ -4934,7 +4835,7 @@
                 <a:buChar char="-"/>
               </a:pPr>
               <a:r>
-                <a:rPr lang="en-US" sz="1100" dirty="0" err="1" smtClean="0">
+                <a:rPr lang="en-US" sz="1200" dirty="0" err="1">
                   <a:latin typeface="Arial"/>
                   <a:cs typeface="Arial"/>
                 </a:rPr>
@@ -4959,12 +4860,12 @@
         </p:nvCxnSpPr>
         <p:spPr>
           <a:xfrm>
-            <a:off x="3115809" y="2351268"/>
-            <a:ext cx="870828" cy="4086692"/>
+            <a:off x="3115809" y="2353255"/>
+            <a:ext cx="870828" cy="4084705"/>
           </a:xfrm>
           <a:prstGeom prst="bentConnector3">
             <a:avLst>
-              <a:gd name="adj1" fmla="val 140835"/>
+              <a:gd name="adj1" fmla="val 143148"/>
             </a:avLst>
           </a:prstGeom>
           <a:ln>
@@ -5002,12 +4903,12 @@
         </p:nvCxnSpPr>
         <p:spPr>
           <a:xfrm rot="10800000" flipV="1">
-            <a:off x="650534" y="1722775"/>
-            <a:ext cx="720137" cy="2893295"/>
+            <a:off x="650534" y="1709431"/>
+            <a:ext cx="720137" cy="2906639"/>
           </a:xfrm>
           <a:prstGeom prst="bentConnector3">
             <a:avLst>
-              <a:gd name="adj1" fmla="val 152907"/>
+              <a:gd name="adj1" fmla="val 163853"/>
             </a:avLst>
           </a:prstGeom>
           <a:ln>
@@ -5045,12 +4946,12 @@
         </p:nvCxnSpPr>
         <p:spPr>
           <a:xfrm rot="10800000" flipV="1">
-            <a:off x="691870" y="1497570"/>
-            <a:ext cx="678800" cy="3397044"/>
+            <a:off x="691870" y="1499556"/>
+            <a:ext cx="678800" cy="3395057"/>
           </a:xfrm>
           <a:prstGeom prst="bentConnector3">
             <a:avLst>
-              <a:gd name="adj1" fmla="val 182322"/>
+              <a:gd name="adj1" fmla="val 190966"/>
             </a:avLst>
           </a:prstGeom>
           <a:ln>
@@ -5088,12 +4989,12 @@
         </p:nvCxnSpPr>
         <p:spPr>
           <a:xfrm rot="10800000" flipV="1">
-            <a:off x="650534" y="2126127"/>
-            <a:ext cx="720137" cy="2051725"/>
+            <a:off x="650534" y="2128115"/>
+            <a:ext cx="720137" cy="2049738"/>
           </a:xfrm>
           <a:prstGeom prst="bentConnector3">
             <a:avLst>
-              <a:gd name="adj1" fmla="val 119399"/>
+              <a:gd name="adj1" fmla="val 131744"/>
             </a:avLst>
           </a:prstGeom>
           <a:ln>
@@ -5131,12 +5032,12 @@
         </p:nvCxnSpPr>
         <p:spPr>
           <a:xfrm rot="10800000" flipV="1">
-            <a:off x="665542" y="1913911"/>
-            <a:ext cx="705129" cy="2477660"/>
+            <a:off x="665542" y="1915897"/>
+            <a:ext cx="705129" cy="2475673"/>
           </a:xfrm>
           <a:prstGeom prst="bentConnector3">
             <a:avLst>
-              <a:gd name="adj1" fmla="val 137823"/>
+              <a:gd name="adj1" fmla="val 150307"/>
             </a:avLst>
           </a:prstGeom>
           <a:ln>
@@ -5220,7 +5121,7 @@
             <a:p>
               <a:pPr algn="ctr"/>
               <a:r>
-                <a:rPr lang="en-US" dirty="0" err="1" smtClean="0"/>
+                <a:rPr lang="en-US" dirty="0" err="1"/>
                 <a:t>myManager</a:t>
               </a:r>
               <a:endParaRPr lang="en-US" dirty="0"/>
@@ -5379,7 +5280,7 @@
             <a:p>
               <a:pPr algn="ctr"/>
               <a:r>
-                <a:rPr lang="en-US" dirty="0" err="1" smtClean="0"/>
+                <a:rPr lang="en-US" dirty="0" err="1"/>
                 <a:t>myClient</a:t>
               </a:r>
               <a:endParaRPr lang="en-US" dirty="0"/>
@@ -5511,19 +5412,8 @@
                 <a:latin typeface="Arial"/>
                 <a:cs typeface="Arial"/>
               </a:rPr>
-              <a:t>i</a:t>
-            </a:r>
-            <a:r>
-              <a:rPr lang="en-US" sz="1200" dirty="0" smtClean="0">
-                <a:latin typeface="Arial"/>
-                <a:cs typeface="Arial"/>
-              </a:rPr>
-              <a:t>nstance of</a:t>
-            </a:r>
-            <a:endParaRPr lang="en-US" sz="1200" dirty="0">
-              <a:latin typeface="Arial"/>
-              <a:cs typeface="Arial"/>
-            </a:endParaRPr>
+              <a:t>instance of</a:t>
+            </a:r>
           </a:p>
         </p:txBody>
       </p:sp>
@@ -5531,15 +5421,15 @@
         <p:nvCxnSpPr>
           <p:cNvPr id="66" name="Connecteur droit avec flèche 65"/>
           <p:cNvCxnSpPr>
+            <a:cxnSpLocks/>
             <a:stCxn id="5" idx="3"/>
-            <a:endCxn id="53" idx="1"/>
           </p:cNvCxnSpPr>
           <p:nvPr/>
         </p:nvCxnSpPr>
         <p:spPr>
-          <a:xfrm flipV="1">
-            <a:off x="4001111" y="5606920"/>
-            <a:ext cx="1475052" cy="10693"/>
+          <a:xfrm>
+            <a:off x="4001111" y="5617613"/>
+            <a:ext cx="1469998" cy="2697"/>
           </a:xfrm>
           <a:prstGeom prst="straightConnector1">
             <a:avLst/>
@@ -5551,7 +5441,8 @@
                 <a:lumOff val="35000"/>
               </a:schemeClr>
             </a:solidFill>
-            <a:tailEnd type="arrow"/>
+            <a:headEnd type="arrow"/>
+            <a:tailEnd type="none"/>
           </a:ln>
           <a:effectLst/>
         </p:spPr>
@@ -5594,7 +5485,8 @@
                 <a:lumOff val="35000"/>
               </a:schemeClr>
             </a:solidFill>
-            <a:tailEnd type="arrow"/>
+            <a:headEnd type="arrow"/>
+            <a:tailEnd type="none"/>
           </a:ln>
           <a:effectLst/>
         </p:spPr>
@@ -5621,7 +5513,7 @@
         </p:nvSpPr>
         <p:spPr>
           <a:xfrm>
-            <a:off x="5707712" y="346482"/>
+            <a:off x="5938932" y="346482"/>
             <a:ext cx="2673528" cy="338554"/>
           </a:xfrm>
           <a:prstGeom prst="rect">
@@ -5636,7 +5528,7 @@
           <a:lstStyle/>
           <a:p>
             <a:r>
-              <a:rPr lang="en-US" sz="1600" dirty="0" err="1" smtClean="0"/>
+              <a:rPr lang="en-US" sz="1600" dirty="0" err="1"/>
               <a:t>AuthenticatorPatternInstance</a:t>
             </a:r>
             <a:endParaRPr lang="en-US" sz="1600" dirty="0"/>
@@ -5705,10 +5597,9 @@
           <a:p>
             <a:pPr algn="ctr"/>
             <a:r>
-              <a:rPr lang="en-US" sz="1600" dirty="0" smtClean="0"/>
+              <a:rPr lang="en-US" sz="1600" dirty="0"/>
               <a:t>PAMELA interpreter</a:t>
             </a:r>
-            <a:endParaRPr lang="en-US" sz="1600" dirty="0"/>
           </a:p>
         </p:txBody>
       </p:sp>
@@ -5801,13 +5692,15 @@
       <p:cxnSp>
         <p:nvCxnSpPr>
           <p:cNvPr id="89" name="Connecteur droit avec flèche 88"/>
-          <p:cNvCxnSpPr/>
+          <p:cNvCxnSpPr>
+            <a:cxnSpLocks/>
+          </p:cNvCxnSpPr>
           <p:nvPr/>
         </p:nvCxnSpPr>
         <p:spPr>
           <a:xfrm>
-            <a:off x="7835900" y="2623897"/>
-            <a:ext cx="0" cy="1021534"/>
+            <a:off x="7835900" y="2727156"/>
+            <a:ext cx="0" cy="918275"/>
           </a:xfrm>
           <a:prstGeom prst="straightConnector1">
             <a:avLst/>
@@ -5925,8 +5818,8 @@
         </p:nvSpPr>
         <p:spPr>
           <a:xfrm>
-            <a:off x="2179705" y="2819815"/>
-            <a:ext cx="1125990" cy="276999"/>
+            <a:off x="1853332" y="2809305"/>
+            <a:ext cx="1483893" cy="338554"/>
           </a:xfrm>
           <a:prstGeom prst="rect">
             <a:avLst/>
@@ -5940,16 +5833,12 @@
           <a:lstStyle/>
           <a:p>
             <a:r>
-              <a:rPr lang="en-US" sz="1200" b="1" i="1" dirty="0" smtClean="0">
+              <a:rPr lang="en-US" sz="1600" b="1" i="1" dirty="0">
                 <a:latin typeface="Arial"/>
                 <a:cs typeface="Arial"/>
               </a:rPr>
               <a:t>Design time</a:t>
             </a:r>
-            <a:endParaRPr lang="en-US" sz="1200" b="1" i="1" dirty="0">
-              <a:latin typeface="Arial"/>
-              <a:cs typeface="Arial"/>
-            </a:endParaRPr>
           </a:p>
         </p:txBody>
       </p:sp>
@@ -5961,8 +5850,8 @@
         </p:nvSpPr>
         <p:spPr>
           <a:xfrm>
-            <a:off x="6340996" y="2836583"/>
-            <a:ext cx="936104" cy="288032"/>
+            <a:off x="5920529" y="2815563"/>
+            <a:ext cx="1409121" cy="338554"/>
           </a:xfrm>
           <a:prstGeom prst="rect">
             <a:avLst/>
@@ -5976,29 +5865,27 @@
           <a:lstStyle/>
           <a:p>
             <a:r>
-              <a:rPr lang="en-US" sz="1200" b="1" i="1" dirty="0" smtClean="0">
+              <a:rPr lang="en-US" sz="1600" b="1" i="1" dirty="0">
                 <a:latin typeface="Arial"/>
                 <a:cs typeface="Arial"/>
               </a:rPr>
               <a:t>Runtime</a:t>
             </a:r>
-            <a:endParaRPr lang="en-US" sz="1200" b="1" i="1" dirty="0">
-              <a:latin typeface="Arial"/>
-              <a:cs typeface="Arial"/>
-            </a:endParaRPr>
           </a:p>
         </p:txBody>
       </p:sp>
       <p:cxnSp>
         <p:nvCxnSpPr>
           <p:cNvPr id="157" name="Connecteur droit avec flèche 156"/>
-          <p:cNvCxnSpPr/>
+          <p:cNvCxnSpPr>
+            <a:cxnSpLocks/>
+          </p:cNvCxnSpPr>
           <p:nvPr/>
         </p:nvCxnSpPr>
         <p:spPr>
           <a:xfrm>
             <a:off x="4241799" y="1088832"/>
-            <a:ext cx="1016002" cy="0"/>
+            <a:ext cx="1229310" cy="0"/>
           </a:xfrm>
           <a:prstGeom prst="straightConnector1">
             <a:avLst/>
@@ -6034,13 +5921,15 @@
       <p:cxnSp>
         <p:nvCxnSpPr>
           <p:cNvPr id="62" name="Connecteur droit avec flèche 61"/>
-          <p:cNvCxnSpPr/>
+          <p:cNvCxnSpPr>
+            <a:cxnSpLocks/>
+          </p:cNvCxnSpPr>
           <p:nvPr/>
         </p:nvCxnSpPr>
         <p:spPr>
           <a:xfrm>
             <a:off x="4241799" y="1619360"/>
-            <a:ext cx="1016002" cy="0"/>
+            <a:ext cx="1247222" cy="0"/>
           </a:xfrm>
           <a:prstGeom prst="straightConnector1">
             <a:avLst/>
@@ -6081,7 +5970,7 @@
         </p:nvSpPr>
         <p:spPr>
           <a:xfrm>
-            <a:off x="4241799" y="747993"/>
+            <a:off x="4494046" y="747993"/>
             <a:ext cx="1016002" cy="276999"/>
           </a:xfrm>
           <a:prstGeom prst="rect">
@@ -6100,16 +5989,12 @@
           <a:p>
             <a:pPr algn="ctr"/>
             <a:r>
-              <a:rPr lang="en-US" sz="1200" dirty="0" smtClean="0">
+              <a:rPr lang="en-US" sz="1200" dirty="0">
                 <a:latin typeface="Arial"/>
                 <a:cs typeface="Arial"/>
               </a:rPr>
               <a:t>&lt;&lt;creates&gt;</a:t>
             </a:r>
-            <a:endParaRPr lang="en-US" sz="1200" dirty="0">
-              <a:latin typeface="Arial"/>
-              <a:cs typeface="Arial"/>
-            </a:endParaRPr>
           </a:p>
         </p:txBody>
       </p:sp>
@@ -6121,7 +6006,7 @@
         </p:nvSpPr>
         <p:spPr>
           <a:xfrm>
-            <a:off x="4241799" y="1292587"/>
+            <a:off x="4515067" y="1292587"/>
             <a:ext cx="1016002" cy="276999"/>
           </a:xfrm>
           <a:prstGeom prst="rect">
@@ -6140,16 +6025,12 @@
           <a:p>
             <a:pPr algn="ctr"/>
             <a:r>
-              <a:rPr lang="en-US" sz="1200" dirty="0" smtClean="0">
+              <a:rPr lang="en-US" sz="1200" dirty="0">
                 <a:latin typeface="Arial"/>
                 <a:cs typeface="Arial"/>
               </a:rPr>
               <a:t>&lt;&lt;uses&gt;&gt;</a:t>
             </a:r>
-            <a:endParaRPr lang="en-US" sz="1200" dirty="0">
-              <a:latin typeface="Arial"/>
-              <a:cs typeface="Arial"/>
-            </a:endParaRPr>
           </a:p>
         </p:txBody>
       </p:sp>
@@ -6255,19 +6136,8 @@
                 <a:latin typeface="Arial"/>
                 <a:cs typeface="Arial"/>
               </a:rPr>
-              <a:t>i</a:t>
-            </a:r>
-            <a:r>
-              <a:rPr lang="en-US" sz="1200" dirty="0" smtClean="0">
-                <a:latin typeface="Arial"/>
-                <a:cs typeface="Arial"/>
-              </a:rPr>
-              <a:t>nstance of</a:t>
-            </a:r>
-            <a:endParaRPr lang="en-US" sz="1200" dirty="0">
-              <a:latin typeface="Arial"/>
-              <a:cs typeface="Arial"/>
-            </a:endParaRPr>
+              <a:t>instance of</a:t>
+            </a:r>
           </a:p>
         </p:txBody>
       </p:sp>

--- a/figures/AuthenticatorPattern4.pptx
+++ b/figures/AuthenticatorPattern4.pptx
@@ -3119,7 +3119,7 @@
         </p:nvSpPr>
         <p:spPr>
           <a:xfrm>
-            <a:off x="5489021" y="131196"/>
+            <a:off x="5489021" y="604146"/>
             <a:ext cx="3505198" cy="1994931"/>
           </a:xfrm>
           <a:prstGeom prst="snip2DiagRect">
@@ -3221,7 +3221,7 @@
         </p:nvSpPr>
         <p:spPr>
           <a:xfrm>
-            <a:off x="5597648" y="776395"/>
+            <a:off x="5597648" y="1249345"/>
             <a:ext cx="3269570" cy="1950761"/>
           </a:xfrm>
           <a:prstGeom prst="foldedCorner">
@@ -4503,7 +4503,7 @@
         </p:nvGrpSpPr>
         <p:grpSpPr>
           <a:xfrm>
-            <a:off x="1003300" y="131197"/>
+            <a:off x="856157" y="604147"/>
             <a:ext cx="3238499" cy="2499469"/>
             <a:chOff x="2933700" y="850347"/>
             <a:chExt cx="3238499" cy="2499469"/>
@@ -4860,12 +4860,12 @@
         </p:nvCxnSpPr>
         <p:spPr>
           <a:xfrm>
-            <a:off x="3115809" y="2353255"/>
-            <a:ext cx="870828" cy="4084705"/>
+            <a:off x="2968666" y="2826205"/>
+            <a:ext cx="1017971" cy="3611755"/>
           </a:xfrm>
           <a:prstGeom prst="bentConnector3">
             <a:avLst>
-              <a:gd name="adj1" fmla="val 143148"/>
+              <a:gd name="adj1" fmla="val 137943"/>
             </a:avLst>
           </a:prstGeom>
           <a:ln>
@@ -4903,12 +4903,12 @@
         </p:nvCxnSpPr>
         <p:spPr>
           <a:xfrm rot="10800000" flipV="1">
-            <a:off x="650534" y="1709431"/>
-            <a:ext cx="720137" cy="2906639"/>
+            <a:off x="650533" y="2182381"/>
+            <a:ext cx="572994" cy="2433689"/>
           </a:xfrm>
           <a:prstGeom prst="bentConnector3">
             <a:avLst>
-              <a:gd name="adj1" fmla="val 163853"/>
+              <a:gd name="adj1" fmla="val 182085"/>
             </a:avLst>
           </a:prstGeom>
           <a:ln>
@@ -4946,12 +4946,12 @@
         </p:nvCxnSpPr>
         <p:spPr>
           <a:xfrm rot="10800000" flipV="1">
-            <a:off x="691870" y="1499556"/>
-            <a:ext cx="678800" cy="3395057"/>
+            <a:off x="691871" y="1972506"/>
+            <a:ext cx="531657" cy="2922107"/>
           </a:xfrm>
           <a:prstGeom prst="bentConnector3">
             <a:avLst>
-              <a:gd name="adj1" fmla="val 190966"/>
+              <a:gd name="adj1" fmla="val 220097"/>
             </a:avLst>
           </a:prstGeom>
           <a:ln>
@@ -4989,12 +4989,12 @@
         </p:nvCxnSpPr>
         <p:spPr>
           <a:xfrm rot="10800000" flipV="1">
-            <a:off x="650534" y="2128115"/>
-            <a:ext cx="720137" cy="2049738"/>
+            <a:off x="650533" y="2601065"/>
+            <a:ext cx="572994" cy="1576788"/>
           </a:xfrm>
           <a:prstGeom prst="bentConnector3">
             <a:avLst>
-              <a:gd name="adj1" fmla="val 131744"/>
+              <a:gd name="adj1" fmla="val 139896"/>
             </a:avLst>
           </a:prstGeom>
           <a:ln>
@@ -5032,12 +5032,12 @@
         </p:nvCxnSpPr>
         <p:spPr>
           <a:xfrm rot="10800000" flipV="1">
-            <a:off x="665542" y="1915897"/>
-            <a:ext cx="705129" cy="2475673"/>
+            <a:off x="665541" y="2388847"/>
+            <a:ext cx="557986" cy="2002723"/>
           </a:xfrm>
           <a:prstGeom prst="bentConnector3">
             <a:avLst>
-              <a:gd name="adj1" fmla="val 150307"/>
+              <a:gd name="adj1" fmla="val 163572"/>
             </a:avLst>
           </a:prstGeom>
           <a:ln>
@@ -5408,7 +5408,7 @@
           <a:lstStyle/>
           <a:p>
             <a:r>
-              <a:rPr lang="en-US" sz="1200" dirty="0">
+              <a:rPr lang="en-US" sz="1200" i="1" dirty="0">
                 <a:latin typeface="Arial"/>
                 <a:cs typeface="Arial"/>
               </a:rPr>
@@ -5441,6 +5441,7 @@
                 <a:lumOff val="35000"/>
               </a:schemeClr>
             </a:solidFill>
+            <a:prstDash val="sysDash"/>
             <a:headEnd type="arrow"/>
             <a:tailEnd type="none"/>
           </a:ln>
@@ -5485,6 +5486,7 @@
                 <a:lumOff val="35000"/>
               </a:schemeClr>
             </a:solidFill>
+            <a:prstDash val="sysDash"/>
             <a:headEnd type="arrow"/>
             <a:tailEnd type="none"/>
           </a:ln>
@@ -5513,7 +5515,7 @@
         </p:nvSpPr>
         <p:spPr>
           <a:xfrm>
-            <a:off x="5938932" y="346482"/>
+            <a:off x="5938932" y="819432"/>
             <a:ext cx="2673528" cy="338554"/>
           </a:xfrm>
           <a:prstGeom prst="rect">
@@ -5740,7 +5742,7 @@
         </p:nvCxnSpPr>
         <p:spPr>
           <a:xfrm>
-            <a:off x="101600" y="3124200"/>
+            <a:off x="101600" y="3323890"/>
             <a:ext cx="8890000" cy="0"/>
           </a:xfrm>
           <a:prstGeom prst="line">
@@ -5818,7 +5820,7 @@
         </p:nvSpPr>
         <p:spPr>
           <a:xfrm>
-            <a:off x="1853332" y="2809305"/>
+            <a:off x="1850472" y="106763"/>
             <a:ext cx="1483893" cy="338554"/>
           </a:xfrm>
           <a:prstGeom prst="rect">
@@ -5850,7 +5852,7 @@
         </p:nvSpPr>
         <p:spPr>
           <a:xfrm>
-            <a:off x="5920529" y="2815563"/>
+            <a:off x="6527872" y="103557"/>
             <a:ext cx="1409121" cy="338554"/>
           </a:xfrm>
           <a:prstGeom prst="rect">
@@ -5884,8 +5886,8 @@
         </p:nvCxnSpPr>
         <p:spPr>
           <a:xfrm>
-            <a:off x="4241799" y="1088832"/>
-            <a:ext cx="1229310" cy="0"/>
+            <a:off x="4094656" y="1561782"/>
+            <a:ext cx="1376453" cy="0"/>
           </a:xfrm>
           <a:prstGeom prst="straightConnector1">
             <a:avLst/>
@@ -5928,8 +5930,8 @@
         </p:nvCxnSpPr>
         <p:spPr>
           <a:xfrm>
-            <a:off x="4241799" y="1619360"/>
-            <a:ext cx="1247222" cy="0"/>
+            <a:off x="4094656" y="2092310"/>
+            <a:ext cx="1394365" cy="0"/>
           </a:xfrm>
           <a:prstGeom prst="straightConnector1">
             <a:avLst/>
@@ -5970,7 +5972,7 @@
         </p:nvSpPr>
         <p:spPr>
           <a:xfrm>
-            <a:off x="4494046" y="747993"/>
+            <a:off x="4494046" y="1231453"/>
             <a:ext cx="1016002" cy="276999"/>
           </a:xfrm>
           <a:prstGeom prst="rect">
@@ -5989,7 +5991,7 @@
           <a:p>
             <a:pPr algn="ctr"/>
             <a:r>
-              <a:rPr lang="en-US" sz="1200" dirty="0">
+              <a:rPr lang="en-US" sz="1200" i="1" dirty="0">
                 <a:latin typeface="Arial"/>
                 <a:cs typeface="Arial"/>
               </a:rPr>
@@ -6006,7 +6008,7 @@
         </p:nvSpPr>
         <p:spPr>
           <a:xfrm>
-            <a:off x="4515067" y="1292587"/>
+            <a:off x="4515067" y="1776047"/>
             <a:ext cx="1016002" cy="276999"/>
           </a:xfrm>
           <a:prstGeom prst="rect">
@@ -6025,7 +6027,7 @@
           <a:p>
             <a:pPr algn="ctr"/>
             <a:r>
-              <a:rPr lang="en-US" sz="1200" dirty="0">
+              <a:rPr lang="en-US" sz="1200" i="1" dirty="0">
                 <a:latin typeface="Arial"/>
                 <a:cs typeface="Arial"/>
               </a:rPr>
@@ -6037,13 +6039,15 @@
       <p:cxnSp>
         <p:nvCxnSpPr>
           <p:cNvPr id="4" name="Connecteur droit avec flèche 3"/>
-          <p:cNvCxnSpPr/>
+          <p:cNvCxnSpPr>
+            <a:cxnSpLocks/>
+          </p:cNvCxnSpPr>
           <p:nvPr/>
         </p:nvCxnSpPr>
         <p:spPr>
           <a:xfrm flipH="1">
-            <a:off x="1143000" y="1264215"/>
-            <a:ext cx="406400" cy="2330416"/>
+            <a:off x="1143000" y="1737165"/>
+            <a:ext cx="306644" cy="1857466"/>
           </a:xfrm>
           <a:prstGeom prst="straightConnector1">
             <a:avLst/>
@@ -6073,13 +6077,15 @@
       <p:cxnSp>
         <p:nvCxnSpPr>
           <p:cNvPr id="76" name="Connecteur droit avec flèche 75"/>
-          <p:cNvCxnSpPr/>
+          <p:cNvCxnSpPr>
+            <a:cxnSpLocks/>
+          </p:cNvCxnSpPr>
           <p:nvPr/>
         </p:nvCxnSpPr>
         <p:spPr>
           <a:xfrm flipH="1">
-            <a:off x="3557156" y="1292587"/>
-            <a:ext cx="113144" cy="4070672"/>
+            <a:off x="3557156" y="1747699"/>
+            <a:ext cx="66579" cy="3615560"/>
           </a:xfrm>
           <a:prstGeom prst="straightConnector1">
             <a:avLst/>
@@ -6132,7 +6138,7 @@
           <a:lstStyle/>
           <a:p>
             <a:r>
-              <a:rPr lang="en-US" sz="1200" dirty="0">
+              <a:rPr lang="en-US" sz="1200" i="1" dirty="0">
                 <a:latin typeface="Arial"/>
                 <a:cs typeface="Arial"/>
               </a:rPr>
